--- a/Project Presentation.pptx
+++ b/Project Presentation.pptx
@@ -19,17 +19,15 @@
     <p:sldId id="274" r:id="rId13"/>
     <p:sldId id="282" r:id="rId14"/>
     <p:sldId id="275" r:id="rId15"/>
-    <p:sldId id="277" r:id="rId16"/>
-    <p:sldId id="276" r:id="rId17"/>
-    <p:sldId id="278" r:id="rId18"/>
-    <p:sldId id="279" r:id="rId19"/>
-    <p:sldId id="280" r:id="rId20"/>
-    <p:sldId id="281" r:id="rId21"/>
-    <p:sldId id="272" r:id="rId22"/>
-    <p:sldId id="271" r:id="rId23"/>
-    <p:sldId id="285" r:id="rId24"/>
-    <p:sldId id="270" r:id="rId25"/>
-    <p:sldId id="283" r:id="rId26"/>
+    <p:sldId id="288" r:id="rId16"/>
+    <p:sldId id="277" r:id="rId17"/>
+    <p:sldId id="276" r:id="rId18"/>
+    <p:sldId id="286" r:id="rId19"/>
+    <p:sldId id="287" r:id="rId20"/>
+    <p:sldId id="291" r:id="rId21"/>
+    <p:sldId id="270" r:id="rId22"/>
+    <p:sldId id="289" r:id="rId23"/>
+    <p:sldId id="290" r:id="rId24"/>
   </p:sldIdLst>
   <p:sldSz cx="12192000" cy="6858000"/>
   <p:notesSz cx="6858000" cy="9144000"/>
@@ -128,6 +126,11 @@
       </a:defRPr>
     </a:lvl9pPr>
   </p:defaultTextStyle>
+  <p:extLst>
+    <p:ext uri="{EFAFB233-063F-42B5-8137-9DF3F51BA10A}">
+      <p15:sldGuideLst xmlns:p15="http://schemas.microsoft.com/office/powerpoint/2012/main"/>
+    </p:ext>
+  </p:extLst>
 </p:presentation>
 </file>
 
@@ -278,7 +281,7 @@
           <a:p>
             <a:fld id="{95E94AE7-D77E-4A1B-83B3-3CB3FA4AFAF6}" type="datetimeFigureOut">
               <a:rPr lang="en-US" smtClean="0"/>
-              <a:t>7/16/2024</a:t>
+              <a:t>7/19/2024</a:t>
             </a:fld>
             <a:endParaRPr lang="en-US"/>
           </a:p>
@@ -476,7 +479,7 @@
           <a:p>
             <a:fld id="{95E94AE7-D77E-4A1B-83B3-3CB3FA4AFAF6}" type="datetimeFigureOut">
               <a:rPr lang="en-US" smtClean="0"/>
-              <a:t>7/16/2024</a:t>
+              <a:t>7/19/2024</a:t>
             </a:fld>
             <a:endParaRPr lang="en-US"/>
           </a:p>
@@ -684,7 +687,7 @@
           <a:p>
             <a:fld id="{95E94AE7-D77E-4A1B-83B3-3CB3FA4AFAF6}" type="datetimeFigureOut">
               <a:rPr lang="en-US" smtClean="0"/>
-              <a:t>7/16/2024</a:t>
+              <a:t>7/19/2024</a:t>
             </a:fld>
             <a:endParaRPr lang="en-US"/>
           </a:p>
@@ -882,7 +885,7 @@
           <a:p>
             <a:fld id="{95E94AE7-D77E-4A1B-83B3-3CB3FA4AFAF6}" type="datetimeFigureOut">
               <a:rPr lang="en-US" smtClean="0"/>
-              <a:t>7/16/2024</a:t>
+              <a:t>7/19/2024</a:t>
             </a:fld>
             <a:endParaRPr lang="en-US"/>
           </a:p>
@@ -1157,7 +1160,7 @@
           <a:p>
             <a:fld id="{95E94AE7-D77E-4A1B-83B3-3CB3FA4AFAF6}" type="datetimeFigureOut">
               <a:rPr lang="en-US" smtClean="0"/>
-              <a:t>7/16/2024</a:t>
+              <a:t>7/19/2024</a:t>
             </a:fld>
             <a:endParaRPr lang="en-US"/>
           </a:p>
@@ -1422,7 +1425,7 @@
           <a:p>
             <a:fld id="{95E94AE7-D77E-4A1B-83B3-3CB3FA4AFAF6}" type="datetimeFigureOut">
               <a:rPr lang="en-US" smtClean="0"/>
-              <a:t>7/16/2024</a:t>
+              <a:t>7/19/2024</a:t>
             </a:fld>
             <a:endParaRPr lang="en-US"/>
           </a:p>
@@ -1834,7 +1837,7 @@
           <a:p>
             <a:fld id="{95E94AE7-D77E-4A1B-83B3-3CB3FA4AFAF6}" type="datetimeFigureOut">
               <a:rPr lang="en-US" smtClean="0"/>
-              <a:t>7/16/2024</a:t>
+              <a:t>7/19/2024</a:t>
             </a:fld>
             <a:endParaRPr lang="en-US"/>
           </a:p>
@@ -1975,7 +1978,7 @@
           <a:p>
             <a:fld id="{95E94AE7-D77E-4A1B-83B3-3CB3FA4AFAF6}" type="datetimeFigureOut">
               <a:rPr lang="en-US" smtClean="0"/>
-              <a:t>7/16/2024</a:t>
+              <a:t>7/19/2024</a:t>
             </a:fld>
             <a:endParaRPr lang="en-US"/>
           </a:p>
@@ -2088,7 +2091,7 @@
           <a:p>
             <a:fld id="{95E94AE7-D77E-4A1B-83B3-3CB3FA4AFAF6}" type="datetimeFigureOut">
               <a:rPr lang="en-US" smtClean="0"/>
-              <a:t>7/16/2024</a:t>
+              <a:t>7/19/2024</a:t>
             </a:fld>
             <a:endParaRPr lang="en-US"/>
           </a:p>
@@ -2399,7 +2402,7 @@
           <a:p>
             <a:fld id="{95E94AE7-D77E-4A1B-83B3-3CB3FA4AFAF6}" type="datetimeFigureOut">
               <a:rPr lang="en-US" smtClean="0"/>
-              <a:t>7/16/2024</a:t>
+              <a:t>7/19/2024</a:t>
             </a:fld>
             <a:endParaRPr lang="en-US"/>
           </a:p>
@@ -2687,7 +2690,7 @@
           <a:p>
             <a:fld id="{95E94AE7-D77E-4A1B-83B3-3CB3FA4AFAF6}" type="datetimeFigureOut">
               <a:rPr lang="en-US" smtClean="0"/>
-              <a:t>7/16/2024</a:t>
+              <a:t>7/19/2024</a:t>
             </a:fld>
             <a:endParaRPr lang="en-US"/>
           </a:p>
@@ -2928,7 +2931,7 @@
           <a:p>
             <a:fld id="{95E94AE7-D77E-4A1B-83B3-3CB3FA4AFAF6}" type="datetimeFigureOut">
               <a:rPr lang="en-US" smtClean="0"/>
-              <a:t>7/16/2024</a:t>
+              <a:t>7/19/2024</a:t>
             </a:fld>
             <a:endParaRPr lang="en-US"/>
           </a:p>
@@ -3739,13 +3742,6 @@
           <a:p>
             <a:pPr algn="l"/>
             <a:r>
-              <a:rPr lang="en-US" sz="2000" i="1" dirty="0"/>
-              <a:t>End – to – end deployable application</a:t>
-            </a:r>
-          </a:p>
-          <a:p>
-            <a:pPr algn="l"/>
-            <a:r>
               <a:rPr lang="en-US" sz="2000" b="1" dirty="0">
                 <a:solidFill>
                   <a:srgbClr val="C00000"/>
@@ -3759,11 +3755,15 @@
             </a:r>
             <a:r>
               <a:rPr lang="en-US" sz="2000" dirty="0"/>
-              <a:t>, Hugging Face, Mistral(LLM), FAISS,  PyCharm, </a:t>
+              <a:t>, Hugging Face, Mistral(LLM), FAISS, </a:t>
             </a:r>
             <a:r>
               <a:rPr lang="en-US" sz="2000" dirty="0" err="1"/>
               <a:t>Streamlit</a:t>
+            </a:r>
+            <a:r>
+              <a:rPr lang="en-US" sz="2000"/>
+              <a:t>, PyCharm</a:t>
             </a:r>
             <a:endParaRPr lang="en-US" sz="2000" dirty="0"/>
           </a:p>
@@ -3858,13 +3858,58 @@
           <a:bodyPr/>
           <a:lstStyle/>
           <a:p>
-            <a:endParaRPr lang="en-US" b="0" i="0" dirty="0">
+            <a:r>
+              <a:rPr lang="en-US" b="0" i="0" dirty="0">
+                <a:solidFill>
+                  <a:srgbClr val="1C1E21"/>
+                </a:solidFill>
+                <a:effectLst/>
+                <a:latin typeface="Public Sans"/>
+              </a:rPr>
+              <a:t>Data was scattered across multiple documents and Excel files, making organization a major challenge.</a:t>
+            </a:r>
+          </a:p>
+          <a:p>
+            <a:endParaRPr lang="en-US" sz="1200" b="0" i="0" dirty="0">
               <a:solidFill>
                 <a:srgbClr val="1C1E21"/>
               </a:solidFill>
               <a:effectLst/>
               <a:latin typeface="Public Sans"/>
             </a:endParaRPr>
+          </a:p>
+          <a:p>
+            <a:r>
+              <a:rPr lang="en-US" b="0" i="0" dirty="0">
+                <a:solidFill>
+                  <a:srgbClr val="1C1E21"/>
+                </a:solidFill>
+                <a:effectLst/>
+                <a:latin typeface="Public Sans"/>
+              </a:rPr>
+              <a:t>Miss Komal, Marketing Head Miss Kiran, and team, especially Miss Amna, worked iteratively on data creation.</a:t>
+            </a:r>
+          </a:p>
+          <a:p>
+            <a:endParaRPr lang="en-US" sz="1200" b="0" i="0" dirty="0">
+              <a:solidFill>
+                <a:srgbClr val="1C1E21"/>
+              </a:solidFill>
+              <a:effectLst/>
+              <a:latin typeface="Public Sans"/>
+            </a:endParaRPr>
+          </a:p>
+          <a:p>
+            <a:r>
+              <a:rPr lang="en-US" b="0" i="0" dirty="0">
+                <a:solidFill>
+                  <a:srgbClr val="1C1E21"/>
+                </a:solidFill>
+                <a:effectLst/>
+                <a:latin typeface="Public Sans"/>
+              </a:rPr>
+              <a:t>Their collaboration was crucial in overcoming data challenges and ensuring project success.</a:t>
+            </a:r>
           </a:p>
         </p:txBody>
       </p:sp>
@@ -4070,20 +4115,15 @@
               </a:rPr>
               <a:t>Technical Details</a:t>
             </a:r>
-          </a:p>
-          <a:p>
-            <a:r>
-              <a:rPr lang="en-US" dirty="0">
-                <a:solidFill>
-                  <a:schemeClr val="tx1">
-                    <a:lumMod val="50000"/>
-                    <a:lumOff val="50000"/>
-                  </a:schemeClr>
-                </a:solidFill>
-                <a:latin typeface="Public Sans"/>
-              </a:rPr>
-              <a:t>Evaluation</a:t>
-            </a:r>
+            <a:endParaRPr lang="en-US" dirty="0">
+              <a:solidFill>
+                <a:schemeClr val="tx1">
+                  <a:lumMod val="50000"/>
+                  <a:lumOff val="50000"/>
+                </a:schemeClr>
+              </a:solidFill>
+              <a:latin typeface="Public Sans"/>
+            </a:endParaRPr>
           </a:p>
           <a:p>
             <a:r>
@@ -4237,6 +4277,178 @@
           <a:bodyPr/>
           <a:lstStyle/>
           <a:p>
+            <a:pPr>
+              <a:lnSpc>
+                <a:spcPct val="100000"/>
+              </a:lnSpc>
+            </a:pPr>
+            <a:r>
+              <a:rPr lang="en-US" b="1" dirty="0" err="1">
+                <a:solidFill>
+                  <a:srgbClr val="C00000"/>
+                </a:solidFill>
+                <a:latin typeface="Public Sans"/>
+              </a:rPr>
+              <a:t>LangChain</a:t>
+            </a:r>
+            <a:r>
+              <a:rPr lang="en-US" b="1" dirty="0">
+                <a:solidFill>
+                  <a:srgbClr val="C00000"/>
+                </a:solidFill>
+                <a:latin typeface="Public Sans"/>
+              </a:rPr>
+              <a:t>: </a:t>
+            </a:r>
+            <a:r>
+              <a:rPr lang="en-US" dirty="0">
+                <a:solidFill>
+                  <a:srgbClr val="1C1E21"/>
+                </a:solidFill>
+                <a:latin typeface="Public Sans"/>
+              </a:rPr>
+              <a:t>Framework to develop LLM powered Apps</a:t>
+            </a:r>
+          </a:p>
+          <a:p>
+            <a:pPr>
+              <a:lnSpc>
+                <a:spcPct val="100000"/>
+              </a:lnSpc>
+            </a:pPr>
+            <a:r>
+              <a:rPr lang="en-US" b="1" i="0" dirty="0">
+                <a:solidFill>
+                  <a:srgbClr val="C00000"/>
+                </a:solidFill>
+                <a:effectLst/>
+                <a:latin typeface="Public Sans"/>
+              </a:rPr>
+              <a:t>Fast Embeddings: </a:t>
+            </a:r>
+            <a:r>
+              <a:rPr lang="en-US" b="0" i="0" dirty="0">
+                <a:solidFill>
+                  <a:srgbClr val="1C1E21"/>
+                </a:solidFill>
+                <a:effectLst/>
+                <a:latin typeface="Public Sans"/>
+              </a:rPr>
+              <a:t>Text Embeddings</a:t>
+            </a:r>
+          </a:p>
+          <a:p>
+            <a:pPr>
+              <a:lnSpc>
+                <a:spcPct val="100000"/>
+              </a:lnSpc>
+            </a:pPr>
+            <a:r>
+              <a:rPr lang="en-US" b="1" i="0" dirty="0">
+                <a:solidFill>
+                  <a:srgbClr val="C00000"/>
+                </a:solidFill>
+                <a:effectLst/>
+                <a:latin typeface="Public Sans"/>
+              </a:rPr>
+              <a:t>FAISS: </a:t>
+            </a:r>
+            <a:r>
+              <a:rPr lang="en-US" b="0" i="0" dirty="0">
+                <a:solidFill>
+                  <a:srgbClr val="1C1E21"/>
+                </a:solidFill>
+                <a:effectLst/>
+                <a:latin typeface="Public Sans"/>
+              </a:rPr>
+              <a:t>Vector Database</a:t>
+            </a:r>
+          </a:p>
+          <a:p>
+            <a:pPr>
+              <a:lnSpc>
+                <a:spcPct val="100000"/>
+              </a:lnSpc>
+            </a:pPr>
+            <a:r>
+              <a:rPr lang="en-US" b="1" dirty="0">
+                <a:solidFill>
+                  <a:srgbClr val="C00000"/>
+                </a:solidFill>
+                <a:latin typeface="Public Sans"/>
+              </a:rPr>
+              <a:t>Mistral: </a:t>
+            </a:r>
+            <a:r>
+              <a:rPr lang="en-US" dirty="0">
+                <a:solidFill>
+                  <a:srgbClr val="1C1E21"/>
+                </a:solidFill>
+                <a:latin typeface="Public Sans"/>
+              </a:rPr>
+              <a:t>LLM model from Hugging face</a:t>
+            </a:r>
+          </a:p>
+          <a:p>
+            <a:pPr>
+              <a:lnSpc>
+                <a:spcPct val="100000"/>
+              </a:lnSpc>
+            </a:pPr>
+            <a:r>
+              <a:rPr lang="en-US" b="1" dirty="0" err="1">
+                <a:solidFill>
+                  <a:srgbClr val="C00000"/>
+                </a:solidFill>
+                <a:latin typeface="Public Sans"/>
+              </a:rPr>
+              <a:t>Streamlit</a:t>
+            </a:r>
+            <a:r>
+              <a:rPr lang="en-US" b="1" dirty="0">
+                <a:solidFill>
+                  <a:srgbClr val="C00000"/>
+                </a:solidFill>
+                <a:latin typeface="Public Sans"/>
+              </a:rPr>
+              <a:t>: </a:t>
+            </a:r>
+            <a:r>
+              <a:rPr lang="en-US" dirty="0">
+                <a:solidFill>
+                  <a:srgbClr val="1C1E21"/>
+                </a:solidFill>
+                <a:latin typeface="Public Sans"/>
+              </a:rPr>
+              <a:t>To build data apps</a:t>
+            </a:r>
+          </a:p>
+          <a:p>
+            <a:pPr>
+              <a:lnSpc>
+                <a:spcPct val="100000"/>
+              </a:lnSpc>
+            </a:pPr>
+            <a:r>
+              <a:rPr lang="en-US" b="1" dirty="0">
+                <a:solidFill>
+                  <a:srgbClr val="C00000"/>
+                </a:solidFill>
+                <a:latin typeface="Public Sans"/>
+              </a:rPr>
+              <a:t>PyCharm: </a:t>
+            </a:r>
+            <a:r>
+              <a:rPr lang="en-US" dirty="0">
+                <a:latin typeface="Public Sans"/>
+              </a:rPr>
+              <a:t>IDE for python apps</a:t>
+            </a:r>
+          </a:p>
+          <a:p>
+            <a:pPr marL="0" indent="0">
+              <a:buNone/>
+            </a:pPr>
             <a:endParaRPr lang="en-US" b="0" i="0" dirty="0">
               <a:solidFill>
                 <a:srgbClr val="1C1E21"/>
@@ -4396,20 +4608,7 @@
             </a:r>
           </a:p>
           <a:p>
-            <a:pPr>
-              <a:lnSpc>
-                <a:spcPct val="100000"/>
-              </a:lnSpc>
-            </a:pPr>
-            <a:r>
-              <a:rPr lang="en-US" dirty="0">
-                <a:latin typeface="Public Sans"/>
-              </a:rPr>
-              <a:t>RAG PIPELINE</a:t>
-            </a:r>
-          </a:p>
-          <a:p>
-            <a:pPr marL="914400" lvl="1" indent="-457200">
+            <a:pPr marL="514350" indent="-514350">
               <a:lnSpc>
                 <a:spcPct val="100000"/>
               </a:lnSpc>
@@ -4417,10 +4616,10 @@
               <a:buAutoNum type="arabicPeriod"/>
             </a:pPr>
             <a:r>
-              <a:rPr lang="en-US" sz="2800" dirty="0">
+              <a:rPr lang="en-US" sz="3200" dirty="0">
                 <a:latin typeface="Public Sans"/>
               </a:rPr>
-              <a:t>Indexing</a:t>
+              <a:t>Indexing Pipeline</a:t>
             </a:r>
           </a:p>
           <a:p>
@@ -4450,7 +4649,7 @@
             </a:r>
           </a:p>
           <a:p>
-            <a:pPr marL="914400" lvl="1" indent="-457200">
+            <a:pPr marL="514350" indent="-514350">
               <a:lnSpc>
                 <a:spcPct val="100000"/>
               </a:lnSpc>
@@ -4458,10 +4657,10 @@
               <a:buAutoNum type="arabicPeriod"/>
             </a:pPr>
             <a:r>
-              <a:rPr lang="en-US" sz="2800" dirty="0">
+              <a:rPr lang="en-US" sz="3200" dirty="0">
                 <a:latin typeface="Public Sans"/>
               </a:rPr>
-              <a:t>Retrieval and Generation</a:t>
+              <a:t>RAG Chain</a:t>
             </a:r>
           </a:p>
           <a:p>
@@ -4562,6 +4761,78 @@
           <a:chExt cx="0" cy="0"/>
         </a:xfrm>
       </p:grpSpPr>
+      <p:pic>
+        <p:nvPicPr>
+          <p:cNvPr id="7" name="Picture 6">
+            <a:extLst>
+              <a:ext uri="{FF2B5EF4-FFF2-40B4-BE49-F238E27FC236}">
+                <a16:creationId xmlns:a16="http://schemas.microsoft.com/office/drawing/2014/main" id="{AE40E2C2-EFAE-6A78-45D6-E2FDAE53176A}"/>
+              </a:ext>
+            </a:extLst>
+          </p:cNvPr>
+          <p:cNvPicPr>
+            <a:picLocks noChangeAspect="1"/>
+          </p:cNvPicPr>
+          <p:nvPr/>
+        </p:nvPicPr>
+        <p:blipFill>
+          <a:blip r:embed="rId2">
+            <a:extLst>
+              <a:ext uri="{28A0092B-C50C-407E-A947-70E740481C1C}">
+                <a14:useLocalDpi xmlns:a14="http://schemas.microsoft.com/office/drawing/2010/main" val="0"/>
+              </a:ext>
+            </a:extLst>
+          </a:blip>
+          <a:stretch>
+            <a:fillRect/>
+          </a:stretch>
+        </p:blipFill>
+        <p:spPr>
+          <a:xfrm>
+            <a:off x="6742121" y="213270"/>
+            <a:ext cx="3943900" cy="6315956"/>
+          </a:xfrm>
+          <a:prstGeom prst="rect">
+            <a:avLst/>
+          </a:prstGeom>
+        </p:spPr>
+      </p:pic>
+      <p:pic>
+        <p:nvPicPr>
+          <p:cNvPr id="5" name="Picture 4">
+            <a:extLst>
+              <a:ext uri="{FF2B5EF4-FFF2-40B4-BE49-F238E27FC236}">
+                <a16:creationId xmlns:a16="http://schemas.microsoft.com/office/drawing/2014/main" id="{9B9A5AF6-0F51-589D-E0B5-2924065F32B0}"/>
+              </a:ext>
+            </a:extLst>
+          </p:cNvPr>
+          <p:cNvPicPr>
+            <a:picLocks noChangeAspect="1"/>
+          </p:cNvPicPr>
+          <p:nvPr/>
+        </p:nvPicPr>
+        <p:blipFill>
+          <a:blip r:embed="rId3">
+            <a:extLst>
+              <a:ext uri="{28A0092B-C50C-407E-A947-70E740481C1C}">
+                <a14:useLocalDpi xmlns:a14="http://schemas.microsoft.com/office/drawing/2010/main" val="0"/>
+              </a:ext>
+            </a:extLst>
+          </a:blip>
+          <a:stretch>
+            <a:fillRect/>
+          </a:stretch>
+        </p:blipFill>
+        <p:spPr>
+          <a:xfrm>
+            <a:off x="1537838" y="1568918"/>
+            <a:ext cx="3991505" cy="4658520"/>
+          </a:xfrm>
+          <a:prstGeom prst="rect">
+            <a:avLst/>
+          </a:prstGeom>
+        </p:spPr>
+      </p:pic>
       <p:sp>
         <p:nvSpPr>
           <p:cNvPr id="2" name="Title 1">
@@ -4580,7 +4851,7 @@
         </p:nvSpPr>
         <p:spPr>
           <a:xfrm>
-            <a:off x="3108960" y="365125"/>
+            <a:off x="1472666" y="278498"/>
             <a:ext cx="8244840" cy="1325563"/>
           </a:xfrm>
         </p:spPr>
@@ -4590,44 +4861,8 @@
           <a:p>
             <a:r>
               <a:rPr lang="en-US" b="1" dirty="0"/>
-              <a:t>Data Pre - processing</a:t>
-            </a:r>
-          </a:p>
-        </p:txBody>
-      </p:sp>
-      <p:sp>
-        <p:nvSpPr>
-          <p:cNvPr id="3" name="Content Placeholder 2">
-            <a:extLst>
-              <a:ext uri="{FF2B5EF4-FFF2-40B4-BE49-F238E27FC236}">
-                <a16:creationId xmlns:a16="http://schemas.microsoft.com/office/drawing/2014/main" id="{AD112359-4940-02C9-2E40-1C1100350BAF}"/>
-              </a:ext>
-            </a:extLst>
-          </p:cNvPr>
-          <p:cNvSpPr>
-            <a:spLocks noGrp="1"/>
-          </p:cNvSpPr>
-          <p:nvPr>
-            <p:ph idx="1"/>
-          </p:nvPr>
-        </p:nvSpPr>
-        <p:spPr>
-          <a:xfrm>
-            <a:off x="3108960" y="1825624"/>
-            <a:ext cx="8244840" cy="4666615"/>
-          </a:xfrm>
-        </p:spPr>
-        <p:txBody>
-          <a:bodyPr/>
-          <a:lstStyle/>
-          <a:p>
-            <a:endParaRPr lang="en-US" b="0" i="0" dirty="0">
-              <a:solidFill>
-                <a:srgbClr val="1C1E21"/>
-              </a:solidFill>
-              <a:effectLst/>
-              <a:latin typeface="Public Sans"/>
-            </a:endParaRPr>
+              <a:t>Project Structure</a:t>
+            </a:r>
           </a:p>
         </p:txBody>
       </p:sp>
@@ -4646,7 +4881,7 @@
           <p:nvPr/>
         </p:nvPicPr>
         <p:blipFill>
-          <a:blip r:embed="rId2">
+          <a:blip r:embed="rId4">
             <a:extLst>
               <a:ext uri="{28A0092B-C50C-407E-A947-70E740481C1C}">
                 <a14:useLocalDpi xmlns:a14="http://schemas.microsoft.com/office/drawing/2010/main" val="0"/>
@@ -4660,8 +4895,8 @@
         </p:blipFill>
         <p:spPr bwMode="auto">
           <a:xfrm rot="5400000">
-            <a:off x="-2032002" y="2032000"/>
-            <a:ext cx="6858001" cy="2794001"/>
+            <a:off x="-2933301" y="2933299"/>
+            <a:ext cx="6858001" cy="991404"/>
           </a:xfrm>
           <a:prstGeom prst="rect">
             <a:avLst/>
@@ -4678,6 +4913,116 @@
           </a:extLst>
         </p:spPr>
       </p:pic>
+      <p:sp>
+        <p:nvSpPr>
+          <p:cNvPr id="28" name="Rectangle: Rounded Corners 27">
+            <a:extLst>
+              <a:ext uri="{FF2B5EF4-FFF2-40B4-BE49-F238E27FC236}">
+                <a16:creationId xmlns:a16="http://schemas.microsoft.com/office/drawing/2014/main" id="{0D7FB0B8-49DA-441A-404A-5427B1B038E0}"/>
+              </a:ext>
+            </a:extLst>
+          </p:cNvPr>
+          <p:cNvSpPr/>
+          <p:nvPr/>
+        </p:nvSpPr>
+        <p:spPr>
+          <a:xfrm>
+            <a:off x="1386039" y="1982804"/>
+            <a:ext cx="4340994" cy="1260910"/>
+          </a:xfrm>
+          <a:prstGeom prst="roundRect">
+            <a:avLst/>
+          </a:prstGeom>
+          <a:noFill/>
+          <a:ln w="38100">
+            <a:solidFill>
+              <a:schemeClr val="accent2">
+                <a:lumMod val="60000"/>
+                <a:lumOff val="40000"/>
+              </a:schemeClr>
+            </a:solidFill>
+          </a:ln>
+        </p:spPr>
+        <p:style>
+          <a:lnRef idx="2">
+            <a:schemeClr val="accent1">
+              <a:shade val="15000"/>
+            </a:schemeClr>
+          </a:lnRef>
+          <a:fillRef idx="1">
+            <a:schemeClr val="accent1"/>
+          </a:fillRef>
+          <a:effectRef idx="0">
+            <a:schemeClr val="accent1"/>
+          </a:effectRef>
+          <a:fontRef idx="minor">
+            <a:schemeClr val="lt1"/>
+          </a:fontRef>
+        </p:style>
+        <p:txBody>
+          <a:bodyPr rtlCol="0" anchor="ctr"/>
+          <a:lstStyle/>
+          <a:p>
+            <a:pPr algn="ctr"/>
+            <a:endParaRPr lang="en-US"/>
+          </a:p>
+        </p:txBody>
+      </p:sp>
+      <p:sp>
+        <p:nvSpPr>
+          <p:cNvPr id="29" name="Rectangle: Rounded Corners 28">
+            <a:extLst>
+              <a:ext uri="{FF2B5EF4-FFF2-40B4-BE49-F238E27FC236}">
+                <a16:creationId xmlns:a16="http://schemas.microsoft.com/office/drawing/2014/main" id="{FE010556-7F0F-6A17-FE55-A97D53497A49}"/>
+              </a:ext>
+            </a:extLst>
+          </p:cNvPr>
+          <p:cNvSpPr/>
+          <p:nvPr/>
+        </p:nvSpPr>
+        <p:spPr>
+          <a:xfrm>
+            <a:off x="6591701" y="229402"/>
+            <a:ext cx="4263991" cy="6412030"/>
+          </a:xfrm>
+          <a:prstGeom prst="roundRect">
+            <a:avLst/>
+          </a:prstGeom>
+          <a:noFill/>
+          <a:ln w="28575">
+            <a:solidFill>
+              <a:schemeClr val="accent2">
+                <a:lumMod val="60000"/>
+                <a:lumOff val="40000"/>
+              </a:schemeClr>
+            </a:solidFill>
+          </a:ln>
+        </p:spPr>
+        <p:style>
+          <a:lnRef idx="2">
+            <a:schemeClr val="accent1">
+              <a:shade val="15000"/>
+            </a:schemeClr>
+          </a:lnRef>
+          <a:fillRef idx="1">
+            <a:schemeClr val="accent1"/>
+          </a:fillRef>
+          <a:effectRef idx="0">
+            <a:schemeClr val="accent1"/>
+          </a:effectRef>
+          <a:fontRef idx="minor">
+            <a:schemeClr val="lt1"/>
+          </a:fontRef>
+        </p:style>
+        <p:txBody>
+          <a:bodyPr rtlCol="0" anchor="ctr"/>
+          <a:lstStyle/>
+          <a:p>
+            <a:pPr algn="ctr"/>
+            <a:endParaRPr lang="en-US"/>
+          </a:p>
+        </p:txBody>
+      </p:sp>
     </p:spTree>
     <p:extLst>
       <p:ext uri="{BB962C8B-B14F-4D97-AF65-F5344CB8AC3E}">
@@ -4726,7 +5071,7 @@
         </p:nvSpPr>
         <p:spPr>
           <a:xfrm>
-            <a:off x="3108960" y="365125"/>
+            <a:off x="1472666" y="278498"/>
             <a:ext cx="8244840" cy="1325563"/>
           </a:xfrm>
         </p:spPr>
@@ -4735,63 +5080,8 @@
           <a:lstStyle/>
           <a:p>
             <a:r>
-              <a:rPr lang="en-US" b="1" i="0" dirty="0">
-                <a:solidFill>
-                  <a:srgbClr val="1C1E21"/>
-                </a:solidFill>
-                <a:effectLst/>
-              </a:rPr>
-              <a:t>Indexing (Data Ingestion)</a:t>
-            </a:r>
-            <a:endParaRPr lang="en-US" b="1" dirty="0"/>
-          </a:p>
-        </p:txBody>
-      </p:sp>
-      <p:sp>
-        <p:nvSpPr>
-          <p:cNvPr id="3" name="Content Placeholder 2">
-            <a:extLst>
-              <a:ext uri="{FF2B5EF4-FFF2-40B4-BE49-F238E27FC236}">
-                <a16:creationId xmlns:a16="http://schemas.microsoft.com/office/drawing/2014/main" id="{AD112359-4940-02C9-2E40-1C1100350BAF}"/>
-              </a:ext>
-            </a:extLst>
-          </p:cNvPr>
-          <p:cNvSpPr>
-            <a:spLocks noGrp="1"/>
-          </p:cNvSpPr>
-          <p:nvPr>
-            <p:ph idx="1"/>
-          </p:nvPr>
-        </p:nvSpPr>
-        <p:spPr>
-          <a:xfrm>
-            <a:off x="3108960" y="1825624"/>
-            <a:ext cx="8244840" cy="4666615"/>
-          </a:xfrm>
-        </p:spPr>
-        <p:txBody>
-          <a:bodyPr/>
-          <a:lstStyle/>
-          <a:p>
-            <a:r>
-              <a:rPr lang="en-US" b="1" i="0" dirty="0" err="1">
-                <a:solidFill>
-                  <a:srgbClr val="1C1E21"/>
-                </a:solidFill>
-                <a:effectLst/>
-                <a:latin typeface="Public Sans"/>
-              </a:rPr>
-              <a:t>LangChain</a:t>
-            </a:r>
-            <a:r>
-              <a:rPr lang="en-US" b="0" i="0" dirty="0">
-                <a:solidFill>
-                  <a:srgbClr val="1C1E21"/>
-                </a:solidFill>
-                <a:effectLst/>
-                <a:latin typeface="Public Sans"/>
-              </a:rPr>
-              <a:t> is</a:t>
+              <a:rPr lang="en-US" b="1" dirty="0"/>
+              <a:t>Data Pre - processing</a:t>
             </a:r>
           </a:p>
         </p:txBody>
@@ -4825,8 +5115,8 @@
         </p:blipFill>
         <p:spPr bwMode="auto">
           <a:xfrm rot="5400000">
-            <a:off x="-2032002" y="2032000"/>
-            <a:ext cx="6858001" cy="2794001"/>
+            <a:off x="-2933301" y="2933299"/>
+            <a:ext cx="6858001" cy="991404"/>
           </a:xfrm>
           <a:prstGeom prst="rect">
             <a:avLst/>
@@ -4843,10 +5133,69 @@
           </a:extLst>
         </p:spPr>
       </p:pic>
+      <p:pic>
+        <p:nvPicPr>
+          <p:cNvPr id="8" name="Picture 7">
+            <a:extLst>
+              <a:ext uri="{FF2B5EF4-FFF2-40B4-BE49-F238E27FC236}">
+                <a16:creationId xmlns:a16="http://schemas.microsoft.com/office/drawing/2014/main" id="{3E783672-6DE5-381B-6860-56181CC5CDBA}"/>
+              </a:ext>
+            </a:extLst>
+          </p:cNvPr>
+          <p:cNvPicPr>
+            <a:picLocks noChangeAspect="1"/>
+          </p:cNvPicPr>
+          <p:nvPr/>
+        </p:nvPicPr>
+        <p:blipFill rotWithShape="1">
+          <a:blip r:embed="rId3"/>
+          <a:srcRect l="2606"/>
+          <a:stretch/>
+        </p:blipFill>
+        <p:spPr>
+          <a:xfrm>
+            <a:off x="1270535" y="1706299"/>
+            <a:ext cx="8393229" cy="4686887"/>
+          </a:xfrm>
+          <a:prstGeom prst="rect">
+            <a:avLst/>
+          </a:prstGeom>
+        </p:spPr>
+      </p:pic>
+      <p:pic>
+        <p:nvPicPr>
+          <p:cNvPr id="6" name="Picture 5">
+            <a:extLst>
+              <a:ext uri="{FF2B5EF4-FFF2-40B4-BE49-F238E27FC236}">
+                <a16:creationId xmlns:a16="http://schemas.microsoft.com/office/drawing/2014/main" id="{FC7B2CD9-A112-5C63-C89E-B022205C803F}"/>
+              </a:ext>
+            </a:extLst>
+          </p:cNvPr>
+          <p:cNvPicPr>
+            <a:picLocks noChangeAspect="1"/>
+          </p:cNvPicPr>
+          <p:nvPr/>
+        </p:nvPicPr>
+        <p:blipFill>
+          <a:blip r:embed="rId4"/>
+          <a:stretch>
+            <a:fillRect/>
+          </a:stretch>
+        </p:blipFill>
+        <p:spPr>
+          <a:xfrm>
+            <a:off x="8121143" y="637825"/>
+            <a:ext cx="3377452" cy="3298907"/>
+          </a:xfrm>
+          <a:prstGeom prst="rect">
+            <a:avLst/>
+          </a:prstGeom>
+        </p:spPr>
+      </p:pic>
     </p:spTree>
     <p:extLst>
       <p:ext uri="{BB962C8B-B14F-4D97-AF65-F5344CB8AC3E}">
-        <p14:creationId xmlns:p14="http://schemas.microsoft.com/office/powerpoint/2010/main" val="3571166923"/>
+        <p14:creationId xmlns:p14="http://schemas.microsoft.com/office/powerpoint/2010/main" val="491672927"/>
       </p:ext>
     </p:extLst>
   </p:cSld>
@@ -4891,7 +5240,7 @@
         </p:nvSpPr>
         <p:spPr>
           <a:xfrm>
-            <a:off x="3108960" y="365125"/>
+            <a:off x="1674796" y="239996"/>
             <a:ext cx="8244840" cy="1325563"/>
           </a:xfrm>
         </p:spPr>
@@ -4906,54 +5255,18 @@
                 </a:solidFill>
                 <a:effectLst/>
               </a:rPr>
-              <a:t>Indexing (Data Vectorization)</a:t>
+              <a:t>Indexing (Data Ingestion)</a:t>
             </a:r>
             <a:endParaRPr lang="en-US" b="1" dirty="0"/>
-          </a:p>
-        </p:txBody>
-      </p:sp>
-      <p:sp>
-        <p:nvSpPr>
-          <p:cNvPr id="3" name="Content Placeholder 2">
-            <a:extLst>
-              <a:ext uri="{FF2B5EF4-FFF2-40B4-BE49-F238E27FC236}">
-                <a16:creationId xmlns:a16="http://schemas.microsoft.com/office/drawing/2014/main" id="{AD112359-4940-02C9-2E40-1C1100350BAF}"/>
-              </a:ext>
-            </a:extLst>
-          </p:cNvPr>
-          <p:cNvSpPr>
-            <a:spLocks noGrp="1"/>
-          </p:cNvSpPr>
-          <p:nvPr>
-            <p:ph idx="1"/>
-          </p:nvPr>
-        </p:nvSpPr>
-        <p:spPr>
-          <a:xfrm>
-            <a:off x="3108960" y="1825624"/>
-            <a:ext cx="8244840" cy="4666615"/>
-          </a:xfrm>
-        </p:spPr>
-        <p:txBody>
-          <a:bodyPr/>
-          <a:lstStyle/>
-          <a:p>
-            <a:endParaRPr lang="en-US" b="0" i="0" dirty="0">
-              <a:solidFill>
-                <a:srgbClr val="1C1E21"/>
-              </a:solidFill>
-              <a:effectLst/>
-              <a:latin typeface="Public Sans"/>
-            </a:endParaRPr>
           </a:p>
         </p:txBody>
       </p:sp>
       <p:pic>
         <p:nvPicPr>
-          <p:cNvPr id="4" name="Picture 2" descr="Just a simple, clean quadruple color gradient. Dithered to avoid ...">
-            <a:extLst>
-              <a:ext uri="{FF2B5EF4-FFF2-40B4-BE49-F238E27FC236}">
-                <a16:creationId xmlns:a16="http://schemas.microsoft.com/office/drawing/2014/main" id="{38A6B6A3-68C8-DC15-11D6-391E6301D70F}"/>
+          <p:cNvPr id="7" name="Picture 2" descr="Just a simple, clean quadruple color gradient. Dithered to avoid ...">
+            <a:extLst>
+              <a:ext uri="{FF2B5EF4-FFF2-40B4-BE49-F238E27FC236}">
+                <a16:creationId xmlns:a16="http://schemas.microsoft.com/office/drawing/2014/main" id="{FE35A6A3-9A62-2E8D-79CB-C81BD182C639}"/>
               </a:ext>
             </a:extLst>
           </p:cNvPr>
@@ -4977,8 +5290,8 @@
         </p:blipFill>
         <p:spPr bwMode="auto">
           <a:xfrm rot="5400000">
-            <a:off x="-2032002" y="2032000"/>
-            <a:ext cx="6858001" cy="2794001"/>
+            <a:off x="-2933301" y="2933299"/>
+            <a:ext cx="6858001" cy="991404"/>
           </a:xfrm>
           <a:prstGeom prst="rect">
             <a:avLst/>
@@ -4995,10 +5308,243 @@
           </a:extLst>
         </p:spPr>
       </p:pic>
+      <p:pic>
+        <p:nvPicPr>
+          <p:cNvPr id="9" name="Picture 8">
+            <a:extLst>
+              <a:ext uri="{FF2B5EF4-FFF2-40B4-BE49-F238E27FC236}">
+                <a16:creationId xmlns:a16="http://schemas.microsoft.com/office/drawing/2014/main" id="{BDCC2DE4-4BBD-0281-A756-59DF54266F4C}"/>
+              </a:ext>
+            </a:extLst>
+          </p:cNvPr>
+          <p:cNvPicPr>
+            <a:picLocks noChangeAspect="1"/>
+          </p:cNvPicPr>
+          <p:nvPr/>
+        </p:nvPicPr>
+        <p:blipFill>
+          <a:blip r:embed="rId3">
+            <a:extLst>
+              <a:ext uri="{28A0092B-C50C-407E-A947-70E740481C1C}">
+                <a14:useLocalDpi xmlns:a14="http://schemas.microsoft.com/office/drawing/2010/main" val="0"/>
+              </a:ext>
+            </a:extLst>
+          </a:blip>
+          <a:stretch>
+            <a:fillRect/>
+          </a:stretch>
+        </p:blipFill>
+        <p:spPr>
+          <a:xfrm>
+            <a:off x="1221910" y="2618072"/>
+            <a:ext cx="10670737" cy="2271666"/>
+          </a:xfrm>
+          <a:prstGeom prst="rect">
+            <a:avLst/>
+          </a:prstGeom>
+        </p:spPr>
+      </p:pic>
+      <p:sp>
+        <p:nvSpPr>
+          <p:cNvPr id="11" name="Rectangle 2">
+            <a:extLst>
+              <a:ext uri="{FF2B5EF4-FFF2-40B4-BE49-F238E27FC236}">
+                <a16:creationId xmlns:a16="http://schemas.microsoft.com/office/drawing/2014/main" id="{D38ED407-4E78-FEE9-13E8-0D1617DFCC50}"/>
+              </a:ext>
+            </a:extLst>
+          </p:cNvPr>
+          <p:cNvSpPr>
+            <a:spLocks noChangeArrowheads="1"/>
+          </p:cNvSpPr>
+          <p:nvPr/>
+        </p:nvSpPr>
+        <p:spPr bwMode="auto">
+          <a:xfrm>
+            <a:off x="1328286" y="2302204"/>
+            <a:ext cx="5650029" cy="307777"/>
+          </a:xfrm>
+          <a:prstGeom prst="rect">
+            <a:avLst/>
+          </a:prstGeom>
+          <a:noFill/>
+          <a:ln>
+            <a:noFill/>
+          </a:ln>
+          <a:effectLst/>
+          <a:extLst>
+            <a:ext uri="{909E8E84-426E-40DD-AFC4-6F175D3DCCD1}">
+              <a14:hiddenFill xmlns:a14="http://schemas.microsoft.com/office/drawing/2010/main">
+                <a:solidFill>
+                  <a:schemeClr val="accent1"/>
+                </a:solidFill>
+              </a14:hiddenFill>
+            </a:ext>
+            <a:ext uri="{91240B29-F687-4F45-9708-019B960494DF}">
+              <a14:hiddenLine xmlns:a14="http://schemas.microsoft.com/office/drawing/2010/main" w="9525">
+                <a:solidFill>
+                  <a:schemeClr val="tx1"/>
+                </a:solidFill>
+                <a:miter lim="800000"/>
+                <a:headEnd/>
+                <a:tailEnd/>
+              </a14:hiddenLine>
+            </a:ext>
+            <a:ext uri="{AF507438-7753-43E0-B8FC-AC1667EBCBE1}">
+              <a14:hiddenEffects xmlns:a14="http://schemas.microsoft.com/office/drawing/2010/main">
+                <a:effectLst>
+                  <a:outerShdw dist="35921" dir="2700000" algn="ctr" rotWithShape="0">
+                    <a:schemeClr val="bg2"/>
+                  </a:outerShdw>
+                </a:effectLst>
+              </a14:hiddenEffects>
+            </a:ext>
+          </a:extLst>
+        </p:spPr>
+        <p:txBody>
+          <a:bodyPr vert="horz" wrap="square" lIns="0" tIns="0" rIns="0" bIns="0" numCol="1" anchor="ctr" anchorCtr="0" compatLnSpc="1">
+            <a:prstTxWarp prst="textNoShape">
+              <a:avLst/>
+            </a:prstTxWarp>
+            <a:spAutoFit/>
+          </a:bodyPr>
+          <a:lstStyle/>
+          <a:p>
+            <a:pPr marL="0" marR="0" lvl="0" indent="0" algn="l" defTabSz="914400" rtl="0" eaLnBrk="0" fontAlgn="base" latinLnBrk="0" hangingPunct="0">
+              <a:lnSpc>
+                <a:spcPct val="100000"/>
+              </a:lnSpc>
+              <a:spcBef>
+                <a:spcPct val="0"/>
+              </a:spcBef>
+              <a:spcAft>
+                <a:spcPct val="0"/>
+              </a:spcAft>
+              <a:buClrTx/>
+              <a:buSzTx/>
+              <a:buFontTx/>
+              <a:buNone/>
+              <a:tabLst/>
+            </a:pPr>
+            <a:r>
+              <a:rPr kumimoji="0" lang="en-US" altLang="en-US" sz="2000" b="1" i="0" u="none" strike="noStrike" cap="none" normalizeH="0" baseline="0" dirty="0">
+                <a:ln>
+                  <a:noFill/>
+                </a:ln>
+                <a:solidFill>
+                  <a:srgbClr val="000080"/>
+                </a:solidFill>
+                <a:effectLst/>
+                <a:latin typeface="JetBrains Mono"/>
+              </a:rPr>
+              <a:t>from</a:t>
+            </a:r>
+            <a:r>
+              <a:rPr kumimoji="0" lang="en-US" altLang="en-US" sz="2000" b="0" i="0" u="none" strike="noStrike" cap="none" normalizeH="0" baseline="0" dirty="0">
+                <a:ln>
+                  <a:noFill/>
+                </a:ln>
+                <a:solidFill>
+                  <a:srgbClr val="000000"/>
+                </a:solidFill>
+                <a:effectLst/>
+                <a:latin typeface="JetBrains Mono"/>
+              </a:rPr>
+              <a:t> </a:t>
+            </a:r>
+            <a:r>
+              <a:rPr kumimoji="0" lang="en-US" altLang="en-US" sz="2000" b="0" i="0" u="none" strike="noStrike" cap="none" normalizeH="0" baseline="0" dirty="0" err="1">
+                <a:ln>
+                  <a:noFill/>
+                </a:ln>
+                <a:solidFill>
+                  <a:srgbClr val="000000"/>
+                </a:solidFill>
+                <a:effectLst/>
+                <a:latin typeface="JetBrains Mono"/>
+              </a:rPr>
+              <a:t>langchain.document_loaders</a:t>
+            </a:r>
+            <a:r>
+              <a:rPr kumimoji="0" lang="en-US" altLang="en-US" sz="2000" b="0" i="0" u="none" strike="noStrike" cap="none" normalizeH="0" baseline="0" dirty="0">
+                <a:ln>
+                  <a:noFill/>
+                </a:ln>
+                <a:solidFill>
+                  <a:srgbClr val="000000"/>
+                </a:solidFill>
+                <a:effectLst/>
+                <a:latin typeface="JetBrains Mono"/>
+              </a:rPr>
+              <a:t> </a:t>
+            </a:r>
+            <a:r>
+              <a:rPr kumimoji="0" lang="en-US" altLang="en-US" sz="2000" b="1" i="0" u="none" strike="noStrike" cap="none" normalizeH="0" baseline="0" dirty="0">
+                <a:ln>
+                  <a:noFill/>
+                </a:ln>
+                <a:solidFill>
+                  <a:srgbClr val="000080"/>
+                </a:solidFill>
+                <a:effectLst/>
+                <a:latin typeface="JetBrains Mono"/>
+              </a:rPr>
+              <a:t>import</a:t>
+            </a:r>
+            <a:r>
+              <a:rPr kumimoji="0" lang="en-US" altLang="en-US" sz="2000" b="0" i="0" u="none" strike="noStrike" cap="none" normalizeH="0" baseline="0" dirty="0">
+                <a:ln>
+                  <a:noFill/>
+                </a:ln>
+                <a:solidFill>
+                  <a:srgbClr val="000000"/>
+                </a:solidFill>
+                <a:effectLst/>
+                <a:latin typeface="JetBrains Mono"/>
+              </a:rPr>
+              <a:t> </a:t>
+            </a:r>
+            <a:r>
+              <a:rPr kumimoji="0" lang="en-US" altLang="en-US" sz="2000" b="0" i="0" u="none" strike="noStrike" cap="none" normalizeH="0" baseline="0" dirty="0" err="1">
+                <a:ln>
+                  <a:noFill/>
+                </a:ln>
+                <a:solidFill>
+                  <a:srgbClr val="000000"/>
+                </a:solidFill>
+                <a:effectLst/>
+                <a:latin typeface="JetBrains Mono"/>
+              </a:rPr>
+              <a:t>CSVLoader</a:t>
+            </a:r>
+            <a:r>
+              <a:rPr kumimoji="0" lang="en-US" altLang="en-US" sz="2000" b="0" i="0" u="none" strike="noStrike" cap="none" normalizeH="0" baseline="0" dirty="0">
+                <a:ln>
+                  <a:noFill/>
+                </a:ln>
+                <a:solidFill>
+                  <a:schemeClr val="tx1"/>
+                </a:solidFill>
+                <a:effectLst/>
+              </a:rPr>
+              <a:t> </a:t>
+            </a:r>
+            <a:endParaRPr kumimoji="0" lang="en-US" altLang="en-US" sz="2000" b="0" i="0" u="none" strike="noStrike" cap="none" normalizeH="0" baseline="0" dirty="0">
+              <a:ln>
+                <a:noFill/>
+              </a:ln>
+              <a:solidFill>
+                <a:schemeClr val="tx1"/>
+              </a:solidFill>
+              <a:effectLst/>
+              <a:latin typeface="Arial" panose="020B0604020202020204" pitchFamily="34" charset="0"/>
+            </a:endParaRPr>
+          </a:p>
+        </p:txBody>
+      </p:sp>
     </p:spTree>
     <p:extLst>
       <p:ext uri="{BB962C8B-B14F-4D97-AF65-F5344CB8AC3E}">
-        <p14:creationId xmlns:p14="http://schemas.microsoft.com/office/powerpoint/2010/main" val="2388354099"/>
+        <p14:creationId xmlns:p14="http://schemas.microsoft.com/office/powerpoint/2010/main" val="3571166923"/>
       </p:ext>
     </p:extLst>
   </p:cSld>
@@ -5043,7 +5589,7 @@
         </p:nvSpPr>
         <p:spPr>
           <a:xfrm>
-            <a:off x="3108960" y="365125"/>
+            <a:off x="1559292" y="201496"/>
             <a:ext cx="8244840" cy="1325563"/>
           </a:xfrm>
         </p:spPr>
@@ -5052,59 +5598,24 @@
           <a:lstStyle/>
           <a:p>
             <a:r>
-              <a:rPr lang="en-US" b="1" dirty="0">
+              <a:rPr lang="en-US" b="1" i="0" dirty="0">
                 <a:solidFill>
                   <a:srgbClr val="1C1E21"/>
                 </a:solidFill>
-              </a:rPr>
-              <a:t>Retrieval</a:t>
+                <a:effectLst/>
+              </a:rPr>
+              <a:t>Indexing (Data Vectorization)</a:t>
             </a:r>
             <a:endParaRPr lang="en-US" b="1" dirty="0"/>
-          </a:p>
-        </p:txBody>
-      </p:sp>
-      <p:sp>
-        <p:nvSpPr>
-          <p:cNvPr id="3" name="Content Placeholder 2">
-            <a:extLst>
-              <a:ext uri="{FF2B5EF4-FFF2-40B4-BE49-F238E27FC236}">
-                <a16:creationId xmlns:a16="http://schemas.microsoft.com/office/drawing/2014/main" id="{AD112359-4940-02C9-2E40-1C1100350BAF}"/>
-              </a:ext>
-            </a:extLst>
-          </p:cNvPr>
-          <p:cNvSpPr>
-            <a:spLocks noGrp="1"/>
-          </p:cNvSpPr>
-          <p:nvPr>
-            <p:ph idx="1"/>
-          </p:nvPr>
-        </p:nvSpPr>
-        <p:spPr>
-          <a:xfrm>
-            <a:off x="3108960" y="1825624"/>
-            <a:ext cx="8244840" cy="4666615"/>
-          </a:xfrm>
-        </p:spPr>
-        <p:txBody>
-          <a:bodyPr/>
-          <a:lstStyle/>
-          <a:p>
-            <a:endParaRPr lang="en-US" b="0" i="0" dirty="0">
-              <a:solidFill>
-                <a:srgbClr val="1C1E21"/>
-              </a:solidFill>
-              <a:effectLst/>
-              <a:latin typeface="Public Sans"/>
-            </a:endParaRPr>
           </a:p>
         </p:txBody>
       </p:sp>
       <p:pic>
         <p:nvPicPr>
-          <p:cNvPr id="4" name="Picture 2" descr="Just a simple, clean quadruple color gradient. Dithered to avoid ...">
-            <a:extLst>
-              <a:ext uri="{FF2B5EF4-FFF2-40B4-BE49-F238E27FC236}">
-                <a16:creationId xmlns:a16="http://schemas.microsoft.com/office/drawing/2014/main" id="{38A6B6A3-68C8-DC15-11D6-391E6301D70F}"/>
+          <p:cNvPr id="5" name="Picture 2" descr="Just a simple, clean quadruple color gradient. Dithered to avoid ...">
+            <a:extLst>
+              <a:ext uri="{FF2B5EF4-FFF2-40B4-BE49-F238E27FC236}">
+                <a16:creationId xmlns:a16="http://schemas.microsoft.com/office/drawing/2014/main" id="{543C7D4B-0465-ADAE-4A1D-5B964CE72EB7}"/>
               </a:ext>
             </a:extLst>
           </p:cNvPr>
@@ -5128,8 +5639,8 @@
         </p:blipFill>
         <p:spPr bwMode="auto">
           <a:xfrm rot="5400000">
-            <a:off x="-2032002" y="2032000"/>
-            <a:ext cx="6858001" cy="2794001"/>
+            <a:off x="-2933301" y="2933299"/>
+            <a:ext cx="6858001" cy="991404"/>
           </a:xfrm>
           <a:prstGeom prst="rect">
             <a:avLst/>
@@ -5146,10 +5657,484 @@
           </a:extLst>
         </p:spPr>
       </p:pic>
+      <p:sp>
+        <p:nvSpPr>
+          <p:cNvPr id="8" name="Rectangle 2">
+            <a:extLst>
+              <a:ext uri="{FF2B5EF4-FFF2-40B4-BE49-F238E27FC236}">
+                <a16:creationId xmlns:a16="http://schemas.microsoft.com/office/drawing/2014/main" id="{A27DC9BE-9FF1-B9BF-AFDA-0E7F25367EC4}"/>
+              </a:ext>
+            </a:extLst>
+          </p:cNvPr>
+          <p:cNvSpPr>
+            <a:spLocks noChangeArrowheads="1"/>
+          </p:cNvSpPr>
+          <p:nvPr/>
+        </p:nvSpPr>
+        <p:spPr bwMode="auto">
+          <a:xfrm>
+            <a:off x="1357162" y="1595506"/>
+            <a:ext cx="8645637" cy="307777"/>
+          </a:xfrm>
+          <a:prstGeom prst="rect">
+            <a:avLst/>
+          </a:prstGeom>
+          <a:noFill/>
+          <a:ln>
+            <a:noFill/>
+          </a:ln>
+          <a:effectLst/>
+          <a:extLst>
+            <a:ext uri="{909E8E84-426E-40DD-AFC4-6F175D3DCCD1}">
+              <a14:hiddenFill xmlns:a14="http://schemas.microsoft.com/office/drawing/2010/main">
+                <a:solidFill>
+                  <a:schemeClr val="accent1"/>
+                </a:solidFill>
+              </a14:hiddenFill>
+            </a:ext>
+            <a:ext uri="{91240B29-F687-4F45-9708-019B960494DF}">
+              <a14:hiddenLine xmlns:a14="http://schemas.microsoft.com/office/drawing/2010/main" w="9525">
+                <a:solidFill>
+                  <a:schemeClr val="tx1"/>
+                </a:solidFill>
+                <a:miter lim="800000"/>
+                <a:headEnd/>
+                <a:tailEnd/>
+              </a14:hiddenLine>
+            </a:ext>
+            <a:ext uri="{AF507438-7753-43E0-B8FC-AC1667EBCBE1}">
+              <a14:hiddenEffects xmlns:a14="http://schemas.microsoft.com/office/drawing/2010/main">
+                <a:effectLst>
+                  <a:outerShdw dist="35921" dir="2700000" algn="ctr" rotWithShape="0">
+                    <a:schemeClr val="bg2"/>
+                  </a:outerShdw>
+                </a:effectLst>
+              </a14:hiddenEffects>
+            </a:ext>
+          </a:extLst>
+        </p:spPr>
+        <p:txBody>
+          <a:bodyPr vert="horz" wrap="none" lIns="0" tIns="0" rIns="0" bIns="0" numCol="1" anchor="ctr" anchorCtr="0" compatLnSpc="1">
+            <a:prstTxWarp prst="textNoShape">
+              <a:avLst/>
+            </a:prstTxWarp>
+            <a:spAutoFit/>
+          </a:bodyPr>
+          <a:lstStyle/>
+          <a:p>
+            <a:pPr marL="0" marR="0" lvl="0" indent="0" algn="l" defTabSz="914400" rtl="0" eaLnBrk="0" fontAlgn="base" latinLnBrk="0" hangingPunct="0">
+              <a:lnSpc>
+                <a:spcPct val="100000"/>
+              </a:lnSpc>
+              <a:spcBef>
+                <a:spcPct val="0"/>
+              </a:spcBef>
+              <a:spcAft>
+                <a:spcPct val="0"/>
+              </a:spcAft>
+              <a:buClrTx/>
+              <a:buSzTx/>
+              <a:buFontTx/>
+              <a:buNone/>
+              <a:tabLst/>
+            </a:pPr>
+            <a:r>
+              <a:rPr kumimoji="0" lang="en-US" altLang="en-US" sz="2000" b="1" i="0" u="none" strike="noStrike" cap="none" normalizeH="0" baseline="0" dirty="0">
+                <a:ln>
+                  <a:noFill/>
+                </a:ln>
+                <a:solidFill>
+                  <a:srgbClr val="000080"/>
+                </a:solidFill>
+                <a:effectLst/>
+                <a:latin typeface="JetBrains Mono"/>
+              </a:rPr>
+              <a:t>from</a:t>
+            </a:r>
+            <a:r>
+              <a:rPr kumimoji="0" lang="en-US" altLang="en-US" sz="2000" b="0" i="0" u="none" strike="noStrike" cap="none" normalizeH="0" baseline="0" dirty="0">
+                <a:ln>
+                  <a:noFill/>
+                </a:ln>
+                <a:solidFill>
+                  <a:srgbClr val="000000"/>
+                </a:solidFill>
+                <a:effectLst/>
+                <a:latin typeface="JetBrains Mono"/>
+              </a:rPr>
+              <a:t> </a:t>
+            </a:r>
+            <a:r>
+              <a:rPr kumimoji="0" lang="en-US" altLang="en-US" sz="2000" b="0" i="0" u="none" strike="noStrike" cap="none" normalizeH="0" baseline="0" dirty="0" err="1">
+                <a:ln>
+                  <a:noFill/>
+                </a:ln>
+                <a:solidFill>
+                  <a:srgbClr val="000000"/>
+                </a:solidFill>
+                <a:effectLst/>
+                <a:latin typeface="JetBrains Mono"/>
+              </a:rPr>
+              <a:t>langchain_community.embeddings.fastembed</a:t>
+            </a:r>
+            <a:r>
+              <a:rPr kumimoji="0" lang="en-US" altLang="en-US" sz="2000" b="0" i="0" u="none" strike="noStrike" cap="none" normalizeH="0" baseline="0" dirty="0">
+                <a:ln>
+                  <a:noFill/>
+                </a:ln>
+                <a:solidFill>
+                  <a:srgbClr val="000000"/>
+                </a:solidFill>
+                <a:effectLst/>
+                <a:latin typeface="JetBrains Mono"/>
+              </a:rPr>
+              <a:t> </a:t>
+            </a:r>
+            <a:r>
+              <a:rPr kumimoji="0" lang="en-US" altLang="en-US" sz="2000" b="1" i="0" u="none" strike="noStrike" cap="none" normalizeH="0" baseline="0" dirty="0">
+                <a:ln>
+                  <a:noFill/>
+                </a:ln>
+                <a:solidFill>
+                  <a:srgbClr val="000080"/>
+                </a:solidFill>
+                <a:effectLst/>
+                <a:latin typeface="JetBrains Mono"/>
+              </a:rPr>
+              <a:t>import</a:t>
+            </a:r>
+            <a:r>
+              <a:rPr kumimoji="0" lang="en-US" altLang="en-US" sz="2000" b="0" i="0" u="none" strike="noStrike" cap="none" normalizeH="0" baseline="0" dirty="0">
+                <a:ln>
+                  <a:noFill/>
+                </a:ln>
+                <a:solidFill>
+                  <a:srgbClr val="000000"/>
+                </a:solidFill>
+                <a:effectLst/>
+                <a:latin typeface="JetBrains Mono"/>
+              </a:rPr>
+              <a:t> </a:t>
+            </a:r>
+            <a:r>
+              <a:rPr kumimoji="0" lang="en-US" altLang="en-US" sz="2000" b="0" i="0" u="none" strike="noStrike" cap="none" normalizeH="0" baseline="0" dirty="0" err="1">
+                <a:ln>
+                  <a:noFill/>
+                </a:ln>
+                <a:solidFill>
+                  <a:srgbClr val="000000"/>
+                </a:solidFill>
+                <a:effectLst/>
+                <a:latin typeface="JetBrains Mono"/>
+              </a:rPr>
+              <a:t>FastEmbedEmbeddings</a:t>
+            </a:r>
+            <a:endParaRPr kumimoji="0" lang="en-US" altLang="en-US" sz="2000" b="0" i="0" u="none" strike="noStrike" cap="none" normalizeH="0" baseline="0" dirty="0">
+              <a:ln>
+                <a:noFill/>
+              </a:ln>
+              <a:solidFill>
+                <a:schemeClr val="tx1"/>
+              </a:solidFill>
+              <a:effectLst/>
+              <a:latin typeface="Arial" panose="020B0604020202020204" pitchFamily="34" charset="0"/>
+            </a:endParaRPr>
+          </a:p>
+        </p:txBody>
+      </p:sp>
+      <p:pic>
+        <p:nvPicPr>
+          <p:cNvPr id="10" name="Picture 9">
+            <a:extLst>
+              <a:ext uri="{FF2B5EF4-FFF2-40B4-BE49-F238E27FC236}">
+                <a16:creationId xmlns:a16="http://schemas.microsoft.com/office/drawing/2014/main" id="{ED25DBAB-14D3-9BE6-769B-0FDD2A93A847}"/>
+              </a:ext>
+            </a:extLst>
+          </p:cNvPr>
+          <p:cNvPicPr>
+            <a:picLocks noChangeAspect="1"/>
+          </p:cNvPicPr>
+          <p:nvPr/>
+        </p:nvPicPr>
+        <p:blipFill rotWithShape="1">
+          <a:blip r:embed="rId3">
+            <a:extLst>
+              <a:ext uri="{28A0092B-C50C-407E-A947-70E740481C1C}">
+                <a14:useLocalDpi xmlns:a14="http://schemas.microsoft.com/office/drawing/2010/main" val="0"/>
+              </a:ext>
+            </a:extLst>
+          </a:blip>
+          <a:srcRect t="8309" b="64017"/>
+          <a:stretch/>
+        </p:blipFill>
+        <p:spPr>
+          <a:xfrm>
+            <a:off x="1247268" y="2175309"/>
+            <a:ext cx="9946914" cy="1586877"/>
+          </a:xfrm>
+          <a:prstGeom prst="rect">
+            <a:avLst/>
+          </a:prstGeom>
+        </p:spPr>
+      </p:pic>
+      <p:sp>
+        <p:nvSpPr>
+          <p:cNvPr id="11" name="Rectangle 2">
+            <a:extLst>
+              <a:ext uri="{FF2B5EF4-FFF2-40B4-BE49-F238E27FC236}">
+                <a16:creationId xmlns:a16="http://schemas.microsoft.com/office/drawing/2014/main" id="{BBCF5C33-16FA-6A65-6E12-6610BAC94754}"/>
+              </a:ext>
+            </a:extLst>
+          </p:cNvPr>
+          <p:cNvSpPr>
+            <a:spLocks noChangeArrowheads="1"/>
+          </p:cNvSpPr>
+          <p:nvPr/>
+        </p:nvSpPr>
+        <p:spPr bwMode="auto">
+          <a:xfrm>
+            <a:off x="1394059" y="4096471"/>
+            <a:ext cx="4448013" cy="307777"/>
+          </a:xfrm>
+          <a:prstGeom prst="rect">
+            <a:avLst/>
+          </a:prstGeom>
+          <a:noFill/>
+          <a:ln>
+            <a:noFill/>
+          </a:ln>
+          <a:effectLst/>
+          <a:extLst>
+            <a:ext uri="{909E8E84-426E-40DD-AFC4-6F175D3DCCD1}">
+              <a14:hiddenFill xmlns:a14="http://schemas.microsoft.com/office/drawing/2010/main">
+                <a:solidFill>
+                  <a:schemeClr val="accent1"/>
+                </a:solidFill>
+              </a14:hiddenFill>
+            </a:ext>
+            <a:ext uri="{91240B29-F687-4F45-9708-019B960494DF}">
+              <a14:hiddenLine xmlns:a14="http://schemas.microsoft.com/office/drawing/2010/main" w="9525">
+                <a:solidFill>
+                  <a:schemeClr val="tx1"/>
+                </a:solidFill>
+                <a:miter lim="800000"/>
+                <a:headEnd/>
+                <a:tailEnd/>
+              </a14:hiddenLine>
+            </a:ext>
+            <a:ext uri="{AF507438-7753-43E0-B8FC-AC1667EBCBE1}">
+              <a14:hiddenEffects xmlns:a14="http://schemas.microsoft.com/office/drawing/2010/main">
+                <a:effectLst>
+                  <a:outerShdw dist="35921" dir="2700000" algn="ctr" rotWithShape="0">
+                    <a:schemeClr val="bg2"/>
+                  </a:outerShdw>
+                </a:effectLst>
+              </a14:hiddenEffects>
+            </a:ext>
+          </a:extLst>
+        </p:spPr>
+        <p:txBody>
+          <a:bodyPr vert="horz" wrap="none" lIns="0" tIns="0" rIns="0" bIns="0" numCol="1" anchor="ctr" anchorCtr="0" compatLnSpc="1">
+            <a:prstTxWarp prst="textNoShape">
+              <a:avLst/>
+            </a:prstTxWarp>
+            <a:spAutoFit/>
+          </a:bodyPr>
+          <a:lstStyle/>
+          <a:p>
+            <a:pPr marL="0" marR="0" lvl="0" indent="0" algn="l" defTabSz="914400" rtl="0" eaLnBrk="0" fontAlgn="base" latinLnBrk="0" hangingPunct="0">
+              <a:lnSpc>
+                <a:spcPct val="100000"/>
+              </a:lnSpc>
+              <a:spcBef>
+                <a:spcPct val="0"/>
+              </a:spcBef>
+              <a:spcAft>
+                <a:spcPct val="0"/>
+              </a:spcAft>
+              <a:buClrTx/>
+              <a:buSzTx/>
+              <a:buFontTx/>
+              <a:buNone/>
+              <a:tabLst/>
+            </a:pPr>
+            <a:r>
+              <a:rPr kumimoji="0" lang="en-US" altLang="en-US" sz="2000" b="1" i="0" u="none" strike="noStrike" cap="none" normalizeH="0" baseline="0" dirty="0">
+                <a:ln>
+                  <a:noFill/>
+                </a:ln>
+                <a:solidFill>
+                  <a:srgbClr val="000080"/>
+                </a:solidFill>
+                <a:effectLst/>
+                <a:latin typeface="JetBrains Mono"/>
+              </a:rPr>
+              <a:t>from</a:t>
+            </a:r>
+            <a:r>
+              <a:rPr kumimoji="0" lang="en-US" altLang="en-US" sz="2000" b="0" i="0" u="none" strike="noStrike" cap="none" normalizeH="0" baseline="0" dirty="0">
+                <a:ln>
+                  <a:noFill/>
+                </a:ln>
+                <a:solidFill>
+                  <a:srgbClr val="000000"/>
+                </a:solidFill>
+                <a:effectLst/>
+                <a:latin typeface="JetBrains Mono"/>
+              </a:rPr>
+              <a:t> </a:t>
+            </a:r>
+            <a:r>
+              <a:rPr kumimoji="0" lang="en-US" altLang="en-US" sz="2000" b="0" i="0" u="none" strike="noStrike" cap="none" normalizeH="0" baseline="0" dirty="0" err="1">
+                <a:ln>
+                  <a:noFill/>
+                </a:ln>
+                <a:solidFill>
+                  <a:srgbClr val="000000"/>
+                </a:solidFill>
+                <a:effectLst/>
+                <a:latin typeface="JetBrains Mono"/>
+              </a:rPr>
+              <a:t>langchain.vectorstores</a:t>
+            </a:r>
+            <a:r>
+              <a:rPr kumimoji="0" lang="en-US" altLang="en-US" sz="2000" b="0" i="0" u="none" strike="noStrike" cap="none" normalizeH="0" baseline="0" dirty="0">
+                <a:ln>
+                  <a:noFill/>
+                </a:ln>
+                <a:solidFill>
+                  <a:srgbClr val="000000"/>
+                </a:solidFill>
+                <a:effectLst/>
+                <a:latin typeface="JetBrains Mono"/>
+              </a:rPr>
+              <a:t> </a:t>
+            </a:r>
+            <a:r>
+              <a:rPr kumimoji="0" lang="en-US" altLang="en-US" sz="2000" b="1" i="0" u="none" strike="noStrike" cap="none" normalizeH="0" baseline="0" dirty="0">
+                <a:ln>
+                  <a:noFill/>
+                </a:ln>
+                <a:solidFill>
+                  <a:srgbClr val="000080"/>
+                </a:solidFill>
+                <a:effectLst/>
+                <a:latin typeface="JetBrains Mono"/>
+              </a:rPr>
+              <a:t>import</a:t>
+            </a:r>
+            <a:r>
+              <a:rPr kumimoji="0" lang="en-US" altLang="en-US" sz="2000" b="0" i="0" u="none" strike="noStrike" cap="none" normalizeH="0" baseline="0" dirty="0">
+                <a:ln>
+                  <a:noFill/>
+                </a:ln>
+                <a:solidFill>
+                  <a:srgbClr val="000000"/>
+                </a:solidFill>
+                <a:effectLst/>
+                <a:latin typeface="JetBrains Mono"/>
+              </a:rPr>
+              <a:t> FAISS</a:t>
+            </a:r>
+            <a:r>
+              <a:rPr kumimoji="0" lang="en-US" altLang="en-US" sz="2000" b="0" i="0" u="none" strike="noStrike" cap="none" normalizeH="0" baseline="0" dirty="0">
+                <a:ln>
+                  <a:noFill/>
+                </a:ln>
+                <a:solidFill>
+                  <a:schemeClr val="tx1"/>
+                </a:solidFill>
+                <a:effectLst/>
+              </a:rPr>
+              <a:t> </a:t>
+            </a:r>
+            <a:endParaRPr kumimoji="0" lang="en-US" altLang="en-US" sz="2000" b="0" i="0" u="none" strike="noStrike" cap="none" normalizeH="0" baseline="0" dirty="0">
+              <a:ln>
+                <a:noFill/>
+              </a:ln>
+              <a:solidFill>
+                <a:schemeClr val="tx1"/>
+              </a:solidFill>
+              <a:effectLst/>
+              <a:latin typeface="Arial" panose="020B0604020202020204" pitchFamily="34" charset="0"/>
+            </a:endParaRPr>
+          </a:p>
+        </p:txBody>
+      </p:sp>
+      <p:pic>
+        <p:nvPicPr>
+          <p:cNvPr id="12" name="Picture 11">
+            <a:extLst>
+              <a:ext uri="{FF2B5EF4-FFF2-40B4-BE49-F238E27FC236}">
+                <a16:creationId xmlns:a16="http://schemas.microsoft.com/office/drawing/2014/main" id="{161B319F-FA8B-AD96-2407-2A5C39E2EAE7}"/>
+              </a:ext>
+            </a:extLst>
+          </p:cNvPr>
+          <p:cNvPicPr>
+            <a:picLocks noChangeAspect="1"/>
+          </p:cNvPicPr>
+          <p:nvPr/>
+        </p:nvPicPr>
+        <p:blipFill rotWithShape="1">
+          <a:blip r:embed="rId3">
+            <a:extLst>
+              <a:ext uri="{28A0092B-C50C-407E-A947-70E740481C1C}">
+                <a14:useLocalDpi xmlns:a14="http://schemas.microsoft.com/office/drawing/2010/main" val="0"/>
+              </a:ext>
+            </a:extLst>
+          </a:blip>
+          <a:srcRect l="-484" t="50777" r="484" b="30730"/>
+          <a:stretch/>
+        </p:blipFill>
+        <p:spPr>
+          <a:xfrm>
+            <a:off x="1293789" y="4464518"/>
+            <a:ext cx="9946914" cy="1060384"/>
+          </a:xfrm>
+          <a:prstGeom prst="rect">
+            <a:avLst/>
+          </a:prstGeom>
+        </p:spPr>
+      </p:pic>
+      <p:pic>
+        <p:nvPicPr>
+          <p:cNvPr id="13" name="Picture 12">
+            <a:extLst>
+              <a:ext uri="{FF2B5EF4-FFF2-40B4-BE49-F238E27FC236}">
+                <a16:creationId xmlns:a16="http://schemas.microsoft.com/office/drawing/2014/main" id="{8D9FA169-F41A-3A68-2219-2B5F6056CC9E}"/>
+              </a:ext>
+            </a:extLst>
+          </p:cNvPr>
+          <p:cNvPicPr>
+            <a:picLocks noChangeAspect="1"/>
+          </p:cNvPicPr>
+          <p:nvPr/>
+        </p:nvPicPr>
+        <p:blipFill rotWithShape="1">
+          <a:blip r:embed="rId3">
+            <a:extLst>
+              <a:ext uri="{28A0092B-C50C-407E-A947-70E740481C1C}">
+                <a14:useLocalDpi xmlns:a14="http://schemas.microsoft.com/office/drawing/2010/main" val="0"/>
+              </a:ext>
+            </a:extLst>
+          </a:blip>
+          <a:srcRect l="-581" t="82335" r="581" b="-828"/>
+          <a:stretch/>
+        </p:blipFill>
+        <p:spPr>
+          <a:xfrm>
+            <a:off x="1311436" y="5499233"/>
+            <a:ext cx="9946914" cy="1060384"/>
+          </a:xfrm>
+          <a:prstGeom prst="rect">
+            <a:avLst/>
+          </a:prstGeom>
+        </p:spPr>
+      </p:pic>
     </p:spTree>
     <p:extLst>
       <p:ext uri="{BB962C8B-B14F-4D97-AF65-F5344CB8AC3E}">
-        <p14:creationId xmlns:p14="http://schemas.microsoft.com/office/powerpoint/2010/main" val="1487378680"/>
+        <p14:creationId xmlns:p14="http://schemas.microsoft.com/office/powerpoint/2010/main" val="2388354099"/>
       </p:ext>
     </p:extLst>
   </p:cSld>
@@ -5194,7 +6179,7 @@
         </p:nvSpPr>
         <p:spPr>
           <a:xfrm>
-            <a:off x="3108960" y="365125"/>
+            <a:off x="1559292" y="201496"/>
             <a:ext cx="8244840" cy="1325563"/>
           </a:xfrm>
         </p:spPr>
@@ -5208,54 +6193,18 @@
                   <a:srgbClr val="1C1E21"/>
                 </a:solidFill>
               </a:rPr>
-              <a:t>Generation</a:t>
+              <a:t>Retrieval</a:t>
             </a:r>
             <a:endParaRPr lang="en-US" b="1" dirty="0"/>
-          </a:p>
-        </p:txBody>
-      </p:sp>
-      <p:sp>
-        <p:nvSpPr>
-          <p:cNvPr id="3" name="Content Placeholder 2">
-            <a:extLst>
-              <a:ext uri="{FF2B5EF4-FFF2-40B4-BE49-F238E27FC236}">
-                <a16:creationId xmlns:a16="http://schemas.microsoft.com/office/drawing/2014/main" id="{AD112359-4940-02C9-2E40-1C1100350BAF}"/>
-              </a:ext>
-            </a:extLst>
-          </p:cNvPr>
-          <p:cNvSpPr>
-            <a:spLocks noGrp="1"/>
-          </p:cNvSpPr>
-          <p:nvPr>
-            <p:ph idx="1"/>
-          </p:nvPr>
-        </p:nvSpPr>
-        <p:spPr>
-          <a:xfrm>
-            <a:off x="3108960" y="1825624"/>
-            <a:ext cx="8244840" cy="4666615"/>
-          </a:xfrm>
-        </p:spPr>
-        <p:txBody>
-          <a:bodyPr/>
-          <a:lstStyle/>
-          <a:p>
-            <a:endParaRPr lang="en-US" b="0" i="0" dirty="0">
-              <a:solidFill>
-                <a:srgbClr val="1C1E21"/>
-              </a:solidFill>
-              <a:effectLst/>
-              <a:latin typeface="Public Sans"/>
-            </a:endParaRPr>
           </a:p>
         </p:txBody>
       </p:sp>
       <p:pic>
         <p:nvPicPr>
-          <p:cNvPr id="4" name="Picture 2" descr="Just a simple, clean quadruple color gradient. Dithered to avoid ...">
-            <a:extLst>
-              <a:ext uri="{FF2B5EF4-FFF2-40B4-BE49-F238E27FC236}">
-                <a16:creationId xmlns:a16="http://schemas.microsoft.com/office/drawing/2014/main" id="{38A6B6A3-68C8-DC15-11D6-391E6301D70F}"/>
+          <p:cNvPr id="5" name="Picture 2" descr="Just a simple, clean quadruple color gradient. Dithered to avoid ...">
+            <a:extLst>
+              <a:ext uri="{FF2B5EF4-FFF2-40B4-BE49-F238E27FC236}">
+                <a16:creationId xmlns:a16="http://schemas.microsoft.com/office/drawing/2014/main" id="{543C7D4B-0465-ADAE-4A1D-5B964CE72EB7}"/>
               </a:ext>
             </a:extLst>
           </p:cNvPr>
@@ -5279,8 +6228,8 @@
         </p:blipFill>
         <p:spPr bwMode="auto">
           <a:xfrm rot="5400000">
-            <a:off x="-2032002" y="2032000"/>
-            <a:ext cx="6858001" cy="2794001"/>
+            <a:off x="-2933301" y="2933299"/>
+            <a:ext cx="6858001" cy="991404"/>
           </a:xfrm>
           <a:prstGeom prst="rect">
             <a:avLst/>
@@ -5297,10 +6246,459 @@
           </a:extLst>
         </p:spPr>
       </p:pic>
+      <p:sp>
+        <p:nvSpPr>
+          <p:cNvPr id="11" name="Rectangle 2">
+            <a:extLst>
+              <a:ext uri="{FF2B5EF4-FFF2-40B4-BE49-F238E27FC236}">
+                <a16:creationId xmlns:a16="http://schemas.microsoft.com/office/drawing/2014/main" id="{BBCF5C33-16FA-6A65-6E12-6610BAC94754}"/>
+              </a:ext>
+            </a:extLst>
+          </p:cNvPr>
+          <p:cNvSpPr>
+            <a:spLocks noChangeArrowheads="1"/>
+          </p:cNvSpPr>
+          <p:nvPr/>
+        </p:nvSpPr>
+        <p:spPr bwMode="auto">
+          <a:xfrm>
+            <a:off x="1403684" y="1439899"/>
+            <a:ext cx="4448013" cy="307777"/>
+          </a:xfrm>
+          <a:prstGeom prst="rect">
+            <a:avLst/>
+          </a:prstGeom>
+          <a:noFill/>
+          <a:ln>
+            <a:noFill/>
+          </a:ln>
+          <a:effectLst/>
+          <a:extLst>
+            <a:ext uri="{909E8E84-426E-40DD-AFC4-6F175D3DCCD1}">
+              <a14:hiddenFill xmlns:a14="http://schemas.microsoft.com/office/drawing/2010/main">
+                <a:solidFill>
+                  <a:schemeClr val="accent1"/>
+                </a:solidFill>
+              </a14:hiddenFill>
+            </a:ext>
+            <a:ext uri="{91240B29-F687-4F45-9708-019B960494DF}">
+              <a14:hiddenLine xmlns:a14="http://schemas.microsoft.com/office/drawing/2010/main" w="9525">
+                <a:solidFill>
+                  <a:schemeClr val="tx1"/>
+                </a:solidFill>
+                <a:miter lim="800000"/>
+                <a:headEnd/>
+                <a:tailEnd/>
+              </a14:hiddenLine>
+            </a:ext>
+            <a:ext uri="{AF507438-7753-43E0-B8FC-AC1667EBCBE1}">
+              <a14:hiddenEffects xmlns:a14="http://schemas.microsoft.com/office/drawing/2010/main">
+                <a:effectLst>
+                  <a:outerShdw dist="35921" dir="2700000" algn="ctr" rotWithShape="0">
+                    <a:schemeClr val="bg2"/>
+                  </a:outerShdw>
+                </a:effectLst>
+              </a14:hiddenEffects>
+            </a:ext>
+          </a:extLst>
+        </p:spPr>
+        <p:txBody>
+          <a:bodyPr vert="horz" wrap="none" lIns="0" tIns="0" rIns="0" bIns="0" numCol="1" anchor="ctr" anchorCtr="0" compatLnSpc="1">
+            <a:prstTxWarp prst="textNoShape">
+              <a:avLst/>
+            </a:prstTxWarp>
+            <a:spAutoFit/>
+          </a:bodyPr>
+          <a:lstStyle/>
+          <a:p>
+            <a:pPr marL="0" marR="0" lvl="0" indent="0" algn="l" defTabSz="914400" rtl="0" eaLnBrk="0" fontAlgn="base" latinLnBrk="0" hangingPunct="0">
+              <a:lnSpc>
+                <a:spcPct val="100000"/>
+              </a:lnSpc>
+              <a:spcBef>
+                <a:spcPct val="0"/>
+              </a:spcBef>
+              <a:spcAft>
+                <a:spcPct val="0"/>
+              </a:spcAft>
+              <a:buClrTx/>
+              <a:buSzTx/>
+              <a:buFontTx/>
+              <a:buNone/>
+              <a:tabLst/>
+            </a:pPr>
+            <a:r>
+              <a:rPr kumimoji="0" lang="en-US" altLang="en-US" sz="2000" b="1" i="0" u="none" strike="noStrike" cap="none" normalizeH="0" baseline="0" dirty="0">
+                <a:ln>
+                  <a:noFill/>
+                </a:ln>
+                <a:solidFill>
+                  <a:srgbClr val="000080"/>
+                </a:solidFill>
+                <a:effectLst/>
+                <a:latin typeface="JetBrains Mono"/>
+              </a:rPr>
+              <a:t>from</a:t>
+            </a:r>
+            <a:r>
+              <a:rPr kumimoji="0" lang="en-US" altLang="en-US" sz="2000" b="0" i="0" u="none" strike="noStrike" cap="none" normalizeH="0" baseline="0" dirty="0">
+                <a:ln>
+                  <a:noFill/>
+                </a:ln>
+                <a:solidFill>
+                  <a:srgbClr val="000000"/>
+                </a:solidFill>
+                <a:effectLst/>
+                <a:latin typeface="JetBrains Mono"/>
+              </a:rPr>
+              <a:t> </a:t>
+            </a:r>
+            <a:r>
+              <a:rPr kumimoji="0" lang="en-US" altLang="en-US" sz="2000" b="0" i="0" u="none" strike="noStrike" cap="none" normalizeH="0" baseline="0" dirty="0" err="1">
+                <a:ln>
+                  <a:noFill/>
+                </a:ln>
+                <a:solidFill>
+                  <a:srgbClr val="000000"/>
+                </a:solidFill>
+                <a:effectLst/>
+                <a:latin typeface="JetBrains Mono"/>
+              </a:rPr>
+              <a:t>langchain.vectorstores</a:t>
+            </a:r>
+            <a:r>
+              <a:rPr kumimoji="0" lang="en-US" altLang="en-US" sz="2000" b="0" i="0" u="none" strike="noStrike" cap="none" normalizeH="0" baseline="0" dirty="0">
+                <a:ln>
+                  <a:noFill/>
+                </a:ln>
+                <a:solidFill>
+                  <a:srgbClr val="000000"/>
+                </a:solidFill>
+                <a:effectLst/>
+                <a:latin typeface="JetBrains Mono"/>
+              </a:rPr>
+              <a:t> </a:t>
+            </a:r>
+            <a:r>
+              <a:rPr kumimoji="0" lang="en-US" altLang="en-US" sz="2000" b="1" i="0" u="none" strike="noStrike" cap="none" normalizeH="0" baseline="0" dirty="0">
+                <a:ln>
+                  <a:noFill/>
+                </a:ln>
+                <a:solidFill>
+                  <a:srgbClr val="000080"/>
+                </a:solidFill>
+                <a:effectLst/>
+                <a:latin typeface="JetBrains Mono"/>
+              </a:rPr>
+              <a:t>import</a:t>
+            </a:r>
+            <a:r>
+              <a:rPr kumimoji="0" lang="en-US" altLang="en-US" sz="2000" b="0" i="0" u="none" strike="noStrike" cap="none" normalizeH="0" baseline="0" dirty="0">
+                <a:ln>
+                  <a:noFill/>
+                </a:ln>
+                <a:solidFill>
+                  <a:srgbClr val="000000"/>
+                </a:solidFill>
+                <a:effectLst/>
+                <a:latin typeface="JetBrains Mono"/>
+              </a:rPr>
+              <a:t> FAISS</a:t>
+            </a:r>
+            <a:r>
+              <a:rPr kumimoji="0" lang="en-US" altLang="en-US" sz="2000" b="0" i="0" u="none" strike="noStrike" cap="none" normalizeH="0" baseline="0" dirty="0">
+                <a:ln>
+                  <a:noFill/>
+                </a:ln>
+                <a:solidFill>
+                  <a:schemeClr val="tx1"/>
+                </a:solidFill>
+                <a:effectLst/>
+              </a:rPr>
+              <a:t> </a:t>
+            </a:r>
+            <a:endParaRPr kumimoji="0" lang="en-US" altLang="en-US" sz="2000" b="0" i="0" u="none" strike="noStrike" cap="none" normalizeH="0" baseline="0" dirty="0">
+              <a:ln>
+                <a:noFill/>
+              </a:ln>
+              <a:solidFill>
+                <a:schemeClr val="tx1"/>
+              </a:solidFill>
+              <a:effectLst/>
+              <a:latin typeface="Arial" panose="020B0604020202020204" pitchFamily="34" charset="0"/>
+            </a:endParaRPr>
+          </a:p>
+        </p:txBody>
+      </p:sp>
+      <p:pic>
+        <p:nvPicPr>
+          <p:cNvPr id="4" name="Picture 3">
+            <a:extLst>
+              <a:ext uri="{FF2B5EF4-FFF2-40B4-BE49-F238E27FC236}">
+                <a16:creationId xmlns:a16="http://schemas.microsoft.com/office/drawing/2014/main" id="{677B0A6F-61CE-4F3E-411D-4DD592D5F0A5}"/>
+              </a:ext>
+            </a:extLst>
+          </p:cNvPr>
+          <p:cNvPicPr>
+            <a:picLocks noChangeAspect="1"/>
+          </p:cNvPicPr>
+          <p:nvPr/>
+        </p:nvPicPr>
+        <p:blipFill>
+          <a:blip r:embed="rId3">
+            <a:extLst>
+              <a:ext uri="{28A0092B-C50C-407E-A947-70E740481C1C}">
+                <a14:useLocalDpi xmlns:a14="http://schemas.microsoft.com/office/drawing/2010/main" val="0"/>
+              </a:ext>
+            </a:extLst>
+          </a:blip>
+          <a:stretch>
+            <a:fillRect/>
+          </a:stretch>
+        </p:blipFill>
+        <p:spPr>
+          <a:xfrm>
+            <a:off x="1276044" y="1844774"/>
+            <a:ext cx="10428276" cy="1520432"/>
+          </a:xfrm>
+          <a:prstGeom prst="rect">
+            <a:avLst/>
+          </a:prstGeom>
+        </p:spPr>
+      </p:pic>
+      <p:sp>
+        <p:nvSpPr>
+          <p:cNvPr id="6" name="Rectangle 1">
+            <a:extLst>
+              <a:ext uri="{FF2B5EF4-FFF2-40B4-BE49-F238E27FC236}">
+                <a16:creationId xmlns:a16="http://schemas.microsoft.com/office/drawing/2014/main" id="{00E0313C-1A18-61CA-76A2-422A04F21E4F}"/>
+              </a:ext>
+            </a:extLst>
+          </p:cNvPr>
+          <p:cNvSpPr>
+            <a:spLocks noChangeArrowheads="1"/>
+          </p:cNvSpPr>
+          <p:nvPr/>
+        </p:nvSpPr>
+        <p:spPr bwMode="auto">
+          <a:xfrm>
+            <a:off x="1472666" y="3578307"/>
+            <a:ext cx="4437625" cy="307777"/>
+          </a:xfrm>
+          <a:prstGeom prst="rect">
+            <a:avLst/>
+          </a:prstGeom>
+          <a:noFill/>
+          <a:ln>
+            <a:noFill/>
+          </a:ln>
+          <a:effectLst/>
+          <a:extLst>
+            <a:ext uri="{909E8E84-426E-40DD-AFC4-6F175D3DCCD1}">
+              <a14:hiddenFill xmlns:a14="http://schemas.microsoft.com/office/drawing/2010/main">
+                <a:solidFill>
+                  <a:schemeClr val="accent1"/>
+                </a:solidFill>
+              </a14:hiddenFill>
+            </a:ext>
+            <a:ext uri="{91240B29-F687-4F45-9708-019B960494DF}">
+              <a14:hiddenLine xmlns:a14="http://schemas.microsoft.com/office/drawing/2010/main" w="9525">
+                <a:solidFill>
+                  <a:schemeClr val="tx1"/>
+                </a:solidFill>
+                <a:miter lim="800000"/>
+                <a:headEnd/>
+                <a:tailEnd/>
+              </a14:hiddenLine>
+            </a:ext>
+            <a:ext uri="{AF507438-7753-43E0-B8FC-AC1667EBCBE1}">
+              <a14:hiddenEffects xmlns:a14="http://schemas.microsoft.com/office/drawing/2010/main">
+                <a:effectLst>
+                  <a:outerShdw dist="35921" dir="2700000" algn="ctr" rotWithShape="0">
+                    <a:schemeClr val="bg2"/>
+                  </a:outerShdw>
+                </a:effectLst>
+              </a14:hiddenEffects>
+            </a:ext>
+          </a:extLst>
+        </p:spPr>
+        <p:txBody>
+          <a:bodyPr vert="horz" wrap="none" lIns="0" tIns="0" rIns="0" bIns="0" numCol="1" anchor="ctr" anchorCtr="0" compatLnSpc="1">
+            <a:prstTxWarp prst="textNoShape">
+              <a:avLst/>
+            </a:prstTxWarp>
+            <a:spAutoFit/>
+          </a:bodyPr>
+          <a:lstStyle/>
+          <a:p>
+            <a:pPr marL="0" marR="0" lvl="0" indent="0" algn="l" defTabSz="914400" rtl="0" eaLnBrk="0" fontAlgn="base" latinLnBrk="0" hangingPunct="0">
+              <a:lnSpc>
+                <a:spcPct val="100000"/>
+              </a:lnSpc>
+              <a:spcBef>
+                <a:spcPct val="0"/>
+              </a:spcBef>
+              <a:spcAft>
+                <a:spcPct val="0"/>
+              </a:spcAft>
+              <a:buClrTx/>
+              <a:buSzTx/>
+              <a:buFontTx/>
+              <a:buNone/>
+              <a:tabLst/>
+            </a:pPr>
+            <a:r>
+              <a:rPr kumimoji="0" lang="en-US" altLang="en-US" sz="2000" b="1" i="0" u="none" strike="noStrike" cap="none" normalizeH="0" baseline="0">
+                <a:ln>
+                  <a:noFill/>
+                </a:ln>
+                <a:solidFill>
+                  <a:srgbClr val="000080"/>
+                </a:solidFill>
+                <a:effectLst/>
+                <a:latin typeface="JetBrains Mono"/>
+              </a:rPr>
+              <a:t>from</a:t>
+            </a:r>
+            <a:r>
+              <a:rPr kumimoji="0" lang="en-US" altLang="en-US" sz="2000" b="0" i="0" u="none" strike="noStrike" cap="none" normalizeH="0" baseline="0">
+                <a:ln>
+                  <a:noFill/>
+                </a:ln>
+                <a:solidFill>
+                  <a:srgbClr val="000000"/>
+                </a:solidFill>
+                <a:effectLst/>
+                <a:latin typeface="JetBrains Mono"/>
+              </a:rPr>
+              <a:t> langchain.chains </a:t>
+            </a:r>
+            <a:r>
+              <a:rPr kumimoji="0" lang="en-US" altLang="en-US" sz="2000" b="1" i="0" u="none" strike="noStrike" cap="none" normalizeH="0" baseline="0">
+                <a:ln>
+                  <a:noFill/>
+                </a:ln>
+                <a:solidFill>
+                  <a:srgbClr val="000080"/>
+                </a:solidFill>
+                <a:effectLst/>
+                <a:latin typeface="JetBrains Mono"/>
+              </a:rPr>
+              <a:t>import</a:t>
+            </a:r>
+            <a:r>
+              <a:rPr kumimoji="0" lang="en-US" altLang="en-US" sz="2000" b="0" i="0" u="none" strike="noStrike" cap="none" normalizeH="0" baseline="0">
+                <a:ln>
+                  <a:noFill/>
+                </a:ln>
+                <a:solidFill>
+                  <a:srgbClr val="000000"/>
+                </a:solidFill>
+                <a:effectLst/>
+                <a:latin typeface="JetBrains Mono"/>
+              </a:rPr>
+              <a:t> RetrievalQA</a:t>
+            </a:r>
+            <a:r>
+              <a:rPr kumimoji="0" lang="en-US" altLang="en-US" sz="2000" b="0" i="0" u="none" strike="noStrike" cap="none" normalizeH="0" baseline="0">
+                <a:ln>
+                  <a:noFill/>
+                </a:ln>
+                <a:solidFill>
+                  <a:schemeClr val="tx1"/>
+                </a:solidFill>
+                <a:effectLst/>
+              </a:rPr>
+              <a:t> </a:t>
+            </a:r>
+            <a:endParaRPr kumimoji="0" lang="en-US" altLang="en-US" sz="2000" b="0" i="0" u="none" strike="noStrike" cap="none" normalizeH="0" baseline="0">
+              <a:ln>
+                <a:noFill/>
+              </a:ln>
+              <a:solidFill>
+                <a:schemeClr val="tx1"/>
+              </a:solidFill>
+              <a:effectLst/>
+              <a:latin typeface="Arial" panose="020B0604020202020204" pitchFamily="34" charset="0"/>
+            </a:endParaRPr>
+          </a:p>
+        </p:txBody>
+      </p:sp>
+      <p:pic>
+        <p:nvPicPr>
+          <p:cNvPr id="9" name="Picture 8">
+            <a:extLst>
+              <a:ext uri="{FF2B5EF4-FFF2-40B4-BE49-F238E27FC236}">
+                <a16:creationId xmlns:a16="http://schemas.microsoft.com/office/drawing/2014/main" id="{DAB44512-76F7-FD0C-133D-8B0E753BBABB}"/>
+              </a:ext>
+            </a:extLst>
+          </p:cNvPr>
+          <p:cNvPicPr>
+            <a:picLocks noChangeAspect="1"/>
+          </p:cNvPicPr>
+          <p:nvPr/>
+        </p:nvPicPr>
+        <p:blipFill rotWithShape="1">
+          <a:blip r:embed="rId4">
+            <a:extLst>
+              <a:ext uri="{28A0092B-C50C-407E-A947-70E740481C1C}">
+                <a14:useLocalDpi xmlns:a14="http://schemas.microsoft.com/office/drawing/2010/main" val="0"/>
+              </a:ext>
+            </a:extLst>
+          </a:blip>
+          <a:srcRect r="10076"/>
+          <a:stretch/>
+        </p:blipFill>
+        <p:spPr>
+          <a:xfrm>
+            <a:off x="1290730" y="4077652"/>
+            <a:ext cx="10442466" cy="724001"/>
+          </a:xfrm>
+          <a:prstGeom prst="rect">
+            <a:avLst/>
+          </a:prstGeom>
+        </p:spPr>
+      </p:pic>
+      <p:pic>
+        <p:nvPicPr>
+          <p:cNvPr id="15" name="Picture 14">
+            <a:extLst>
+              <a:ext uri="{FF2B5EF4-FFF2-40B4-BE49-F238E27FC236}">
+                <a16:creationId xmlns:a16="http://schemas.microsoft.com/office/drawing/2014/main" id="{10978CFE-27E0-B5DF-020D-C6F6C1DF94BD}"/>
+              </a:ext>
+            </a:extLst>
+          </p:cNvPr>
+          <p:cNvPicPr>
+            <a:picLocks noChangeAspect="1"/>
+          </p:cNvPicPr>
+          <p:nvPr/>
+        </p:nvPicPr>
+        <p:blipFill>
+          <a:blip r:embed="rId5">
+            <a:extLst>
+              <a:ext uri="{28A0092B-C50C-407E-A947-70E740481C1C}">
+                <a14:useLocalDpi xmlns:a14="http://schemas.microsoft.com/office/drawing/2010/main" val="0"/>
+              </a:ext>
+            </a:extLst>
+          </a:blip>
+          <a:stretch>
+            <a:fillRect/>
+          </a:stretch>
+        </p:blipFill>
+        <p:spPr>
+          <a:xfrm>
+            <a:off x="1289785" y="4861463"/>
+            <a:ext cx="10587790" cy="1709668"/>
+          </a:xfrm>
+          <a:prstGeom prst="rect">
+            <a:avLst/>
+          </a:prstGeom>
+        </p:spPr>
+      </p:pic>
     </p:spTree>
     <p:extLst>
       <p:ext uri="{BB962C8B-B14F-4D97-AF65-F5344CB8AC3E}">
-        <p14:creationId xmlns:p14="http://schemas.microsoft.com/office/powerpoint/2010/main" val="447079989"/>
+        <p14:creationId xmlns:p14="http://schemas.microsoft.com/office/powerpoint/2010/main" val="1712169139"/>
       </p:ext>
     </p:extLst>
   </p:cSld>
@@ -5345,7 +6743,7 @@
         </p:nvSpPr>
         <p:spPr>
           <a:xfrm>
-            <a:off x="3108960" y="365125"/>
+            <a:off x="1559292" y="201496"/>
             <a:ext cx="8244840" cy="1325563"/>
           </a:xfrm>
         </p:spPr>
@@ -5354,60 +6752,23 @@
           <a:lstStyle/>
           <a:p>
             <a:r>
-              <a:rPr lang="en-US" b="1" i="0" dirty="0">
+              <a:rPr lang="en-US" b="1" dirty="0">
                 <a:solidFill>
                   <a:srgbClr val="1C1E21"/>
                 </a:solidFill>
-                <a:effectLst/>
-              </a:rPr>
-              <a:t>Project Structure</a:t>
+              </a:rPr>
+              <a:t>Generation</a:t>
             </a:r>
             <a:endParaRPr lang="en-US" b="1" dirty="0"/>
-          </a:p>
-        </p:txBody>
-      </p:sp>
-      <p:sp>
-        <p:nvSpPr>
-          <p:cNvPr id="3" name="Content Placeholder 2">
-            <a:extLst>
-              <a:ext uri="{FF2B5EF4-FFF2-40B4-BE49-F238E27FC236}">
-                <a16:creationId xmlns:a16="http://schemas.microsoft.com/office/drawing/2014/main" id="{AD112359-4940-02C9-2E40-1C1100350BAF}"/>
-              </a:ext>
-            </a:extLst>
-          </p:cNvPr>
-          <p:cNvSpPr>
-            <a:spLocks noGrp="1"/>
-          </p:cNvSpPr>
-          <p:nvPr>
-            <p:ph idx="1"/>
-          </p:nvPr>
-        </p:nvSpPr>
-        <p:spPr>
-          <a:xfrm>
-            <a:off x="3108960" y="1825624"/>
-            <a:ext cx="8244840" cy="4666615"/>
-          </a:xfrm>
-        </p:spPr>
-        <p:txBody>
-          <a:bodyPr/>
-          <a:lstStyle/>
-          <a:p>
-            <a:endParaRPr lang="en-US" b="0" i="0" dirty="0">
-              <a:solidFill>
-                <a:srgbClr val="1C1E21"/>
-              </a:solidFill>
-              <a:effectLst/>
-              <a:latin typeface="Public Sans"/>
-            </a:endParaRPr>
           </a:p>
         </p:txBody>
       </p:sp>
       <p:pic>
         <p:nvPicPr>
-          <p:cNvPr id="4" name="Picture 2" descr="Just a simple, clean quadruple color gradient. Dithered to avoid ...">
-            <a:extLst>
-              <a:ext uri="{FF2B5EF4-FFF2-40B4-BE49-F238E27FC236}">
-                <a16:creationId xmlns:a16="http://schemas.microsoft.com/office/drawing/2014/main" id="{38A6B6A3-68C8-DC15-11D6-391E6301D70F}"/>
+          <p:cNvPr id="5" name="Picture 2" descr="Just a simple, clean quadruple color gradient. Dithered to avoid ...">
+            <a:extLst>
+              <a:ext uri="{FF2B5EF4-FFF2-40B4-BE49-F238E27FC236}">
+                <a16:creationId xmlns:a16="http://schemas.microsoft.com/office/drawing/2014/main" id="{543C7D4B-0465-ADAE-4A1D-5B964CE72EB7}"/>
               </a:ext>
             </a:extLst>
           </p:cNvPr>
@@ -5431,8 +6792,8 @@
         </p:blipFill>
         <p:spPr bwMode="auto">
           <a:xfrm rot="5400000">
-            <a:off x="-2032002" y="2032000"/>
-            <a:ext cx="6858001" cy="2794001"/>
+            <a:off x="-2933301" y="2933299"/>
+            <a:ext cx="6858001" cy="991404"/>
           </a:xfrm>
           <a:prstGeom prst="rect">
             <a:avLst/>
@@ -5449,10 +6810,425 @@
           </a:extLst>
         </p:spPr>
       </p:pic>
+      <p:sp>
+        <p:nvSpPr>
+          <p:cNvPr id="3" name="Rectangle 1">
+            <a:extLst>
+              <a:ext uri="{FF2B5EF4-FFF2-40B4-BE49-F238E27FC236}">
+                <a16:creationId xmlns:a16="http://schemas.microsoft.com/office/drawing/2014/main" id="{AEE7ED5E-17FF-8EB0-F6DB-6260C511F317}"/>
+              </a:ext>
+            </a:extLst>
+          </p:cNvPr>
+          <p:cNvSpPr>
+            <a:spLocks noChangeArrowheads="1"/>
+          </p:cNvSpPr>
+          <p:nvPr/>
+        </p:nvSpPr>
+        <p:spPr bwMode="auto">
+          <a:xfrm>
+            <a:off x="1530417" y="1470374"/>
+            <a:ext cx="6125395" cy="307777"/>
+          </a:xfrm>
+          <a:prstGeom prst="rect">
+            <a:avLst/>
+          </a:prstGeom>
+          <a:noFill/>
+          <a:ln>
+            <a:noFill/>
+          </a:ln>
+          <a:effectLst/>
+          <a:extLst>
+            <a:ext uri="{909E8E84-426E-40DD-AFC4-6F175D3DCCD1}">
+              <a14:hiddenFill xmlns:a14="http://schemas.microsoft.com/office/drawing/2010/main">
+                <a:solidFill>
+                  <a:schemeClr val="accent1"/>
+                </a:solidFill>
+              </a14:hiddenFill>
+            </a:ext>
+            <a:ext uri="{91240B29-F687-4F45-9708-019B960494DF}">
+              <a14:hiddenLine xmlns:a14="http://schemas.microsoft.com/office/drawing/2010/main" w="9525">
+                <a:solidFill>
+                  <a:schemeClr val="tx1"/>
+                </a:solidFill>
+                <a:miter lim="800000"/>
+                <a:headEnd/>
+                <a:tailEnd/>
+              </a14:hiddenLine>
+            </a:ext>
+            <a:ext uri="{AF507438-7753-43E0-B8FC-AC1667EBCBE1}">
+              <a14:hiddenEffects xmlns:a14="http://schemas.microsoft.com/office/drawing/2010/main">
+                <a:effectLst>
+                  <a:outerShdw dist="35921" dir="2700000" algn="ctr" rotWithShape="0">
+                    <a:schemeClr val="bg2"/>
+                  </a:outerShdw>
+                </a:effectLst>
+              </a14:hiddenEffects>
+            </a:ext>
+          </a:extLst>
+        </p:spPr>
+        <p:txBody>
+          <a:bodyPr vert="horz" wrap="none" lIns="0" tIns="0" rIns="0" bIns="0" numCol="1" anchor="ctr" anchorCtr="0" compatLnSpc="1">
+            <a:prstTxWarp prst="textNoShape">
+              <a:avLst/>
+            </a:prstTxWarp>
+            <a:spAutoFit/>
+          </a:bodyPr>
+          <a:lstStyle/>
+          <a:p>
+            <a:pPr marL="0" marR="0" lvl="0" indent="0" algn="l" defTabSz="914400" rtl="0" eaLnBrk="0" fontAlgn="base" latinLnBrk="0" hangingPunct="0">
+              <a:lnSpc>
+                <a:spcPct val="100000"/>
+              </a:lnSpc>
+              <a:spcBef>
+                <a:spcPct val="0"/>
+              </a:spcBef>
+              <a:spcAft>
+                <a:spcPct val="0"/>
+              </a:spcAft>
+              <a:buClrTx/>
+              <a:buSzTx/>
+              <a:buFontTx/>
+              <a:buNone/>
+              <a:tabLst/>
+            </a:pPr>
+            <a:r>
+              <a:rPr kumimoji="0" lang="en-US" altLang="en-US" sz="2000" b="1" i="0" u="none" strike="noStrike" cap="none" normalizeH="0" baseline="0">
+                <a:ln>
+                  <a:noFill/>
+                </a:ln>
+                <a:solidFill>
+                  <a:srgbClr val="000080"/>
+                </a:solidFill>
+                <a:effectLst/>
+                <a:latin typeface="JetBrains Mono"/>
+              </a:rPr>
+              <a:t>from</a:t>
+            </a:r>
+            <a:r>
+              <a:rPr kumimoji="0" lang="en-US" altLang="en-US" sz="2000" b="0" i="0" u="none" strike="noStrike" cap="none" normalizeH="0" baseline="0">
+                <a:ln>
+                  <a:noFill/>
+                </a:ln>
+                <a:solidFill>
+                  <a:srgbClr val="000000"/>
+                </a:solidFill>
+                <a:effectLst/>
+                <a:latin typeface="JetBrains Mono"/>
+              </a:rPr>
+              <a:t> langchain_huggingface </a:t>
+            </a:r>
+            <a:r>
+              <a:rPr kumimoji="0" lang="en-US" altLang="en-US" sz="2000" b="1" i="0" u="none" strike="noStrike" cap="none" normalizeH="0" baseline="0">
+                <a:ln>
+                  <a:noFill/>
+                </a:ln>
+                <a:solidFill>
+                  <a:srgbClr val="000080"/>
+                </a:solidFill>
+                <a:effectLst/>
+                <a:latin typeface="JetBrains Mono"/>
+              </a:rPr>
+              <a:t>import</a:t>
+            </a:r>
+            <a:r>
+              <a:rPr kumimoji="0" lang="en-US" altLang="en-US" sz="2000" b="0" i="0" u="none" strike="noStrike" cap="none" normalizeH="0" baseline="0">
+                <a:ln>
+                  <a:noFill/>
+                </a:ln>
+                <a:solidFill>
+                  <a:srgbClr val="000000"/>
+                </a:solidFill>
+                <a:effectLst/>
+                <a:latin typeface="JetBrains Mono"/>
+              </a:rPr>
+              <a:t> HuggingFaceEndpoint</a:t>
+            </a:r>
+            <a:r>
+              <a:rPr kumimoji="0" lang="en-US" altLang="en-US" sz="2000" b="0" i="0" u="none" strike="noStrike" cap="none" normalizeH="0" baseline="0">
+                <a:ln>
+                  <a:noFill/>
+                </a:ln>
+                <a:solidFill>
+                  <a:schemeClr val="tx1"/>
+                </a:solidFill>
+                <a:effectLst/>
+              </a:rPr>
+              <a:t> </a:t>
+            </a:r>
+            <a:endParaRPr kumimoji="0" lang="en-US" altLang="en-US" sz="2000" b="0" i="0" u="none" strike="noStrike" cap="none" normalizeH="0" baseline="0">
+              <a:ln>
+                <a:noFill/>
+              </a:ln>
+              <a:solidFill>
+                <a:schemeClr val="tx1"/>
+              </a:solidFill>
+              <a:effectLst/>
+              <a:latin typeface="Arial" panose="020B0604020202020204" pitchFamily="34" charset="0"/>
+            </a:endParaRPr>
+          </a:p>
+        </p:txBody>
+      </p:sp>
+      <p:pic>
+        <p:nvPicPr>
+          <p:cNvPr id="8" name="Picture 7">
+            <a:extLst>
+              <a:ext uri="{FF2B5EF4-FFF2-40B4-BE49-F238E27FC236}">
+                <a16:creationId xmlns:a16="http://schemas.microsoft.com/office/drawing/2014/main" id="{F2B802E9-C1F5-6C6A-A424-8756585000F2}"/>
+              </a:ext>
+            </a:extLst>
+          </p:cNvPr>
+          <p:cNvPicPr>
+            <a:picLocks noChangeAspect="1"/>
+          </p:cNvPicPr>
+          <p:nvPr/>
+        </p:nvPicPr>
+        <p:blipFill>
+          <a:blip r:embed="rId3">
+            <a:extLst>
+              <a:ext uri="{28A0092B-C50C-407E-A947-70E740481C1C}">
+                <a14:useLocalDpi xmlns:a14="http://schemas.microsoft.com/office/drawing/2010/main" val="0"/>
+              </a:ext>
+            </a:extLst>
+          </a:blip>
+          <a:stretch>
+            <a:fillRect/>
+          </a:stretch>
+        </p:blipFill>
+        <p:spPr>
+          <a:xfrm>
+            <a:off x="1271381" y="1881593"/>
+            <a:ext cx="10615820" cy="1247381"/>
+          </a:xfrm>
+          <a:prstGeom prst="rect">
+            <a:avLst/>
+          </a:prstGeom>
+        </p:spPr>
+      </p:pic>
+      <p:sp>
+        <p:nvSpPr>
+          <p:cNvPr id="10" name="Rectangle 2">
+            <a:extLst>
+              <a:ext uri="{FF2B5EF4-FFF2-40B4-BE49-F238E27FC236}">
+                <a16:creationId xmlns:a16="http://schemas.microsoft.com/office/drawing/2014/main" id="{486961EA-BB3E-3399-7C25-0E880DABA427}"/>
+              </a:ext>
+            </a:extLst>
+          </p:cNvPr>
+          <p:cNvSpPr>
+            <a:spLocks noChangeArrowheads="1"/>
+          </p:cNvSpPr>
+          <p:nvPr/>
+        </p:nvSpPr>
+        <p:spPr bwMode="auto">
+          <a:xfrm>
+            <a:off x="1520792" y="3318426"/>
+            <a:ext cx="4379917" cy="307777"/>
+          </a:xfrm>
+          <a:prstGeom prst="rect">
+            <a:avLst/>
+          </a:prstGeom>
+          <a:noFill/>
+          <a:ln>
+            <a:noFill/>
+          </a:ln>
+          <a:effectLst/>
+          <a:extLst>
+            <a:ext uri="{909E8E84-426E-40DD-AFC4-6F175D3DCCD1}">
+              <a14:hiddenFill xmlns:a14="http://schemas.microsoft.com/office/drawing/2010/main">
+                <a:solidFill>
+                  <a:schemeClr val="accent1"/>
+                </a:solidFill>
+              </a14:hiddenFill>
+            </a:ext>
+            <a:ext uri="{91240B29-F687-4F45-9708-019B960494DF}">
+              <a14:hiddenLine xmlns:a14="http://schemas.microsoft.com/office/drawing/2010/main" w="9525">
+                <a:solidFill>
+                  <a:schemeClr val="tx1"/>
+                </a:solidFill>
+                <a:miter lim="800000"/>
+                <a:headEnd/>
+                <a:tailEnd/>
+              </a14:hiddenLine>
+            </a:ext>
+            <a:ext uri="{AF507438-7753-43E0-B8FC-AC1667EBCBE1}">
+              <a14:hiddenEffects xmlns:a14="http://schemas.microsoft.com/office/drawing/2010/main">
+                <a:effectLst>
+                  <a:outerShdw dist="35921" dir="2700000" algn="ctr" rotWithShape="0">
+                    <a:schemeClr val="bg2"/>
+                  </a:outerShdw>
+                </a:effectLst>
+              </a14:hiddenEffects>
+            </a:ext>
+          </a:extLst>
+        </p:spPr>
+        <p:txBody>
+          <a:bodyPr vert="horz" wrap="none" lIns="0" tIns="0" rIns="0" bIns="0" numCol="1" anchor="ctr" anchorCtr="0" compatLnSpc="1">
+            <a:prstTxWarp prst="textNoShape">
+              <a:avLst/>
+            </a:prstTxWarp>
+            <a:spAutoFit/>
+          </a:bodyPr>
+          <a:lstStyle/>
+          <a:p>
+            <a:pPr marL="0" marR="0" lvl="0" indent="0" algn="l" defTabSz="914400" rtl="0" eaLnBrk="0" fontAlgn="base" latinLnBrk="0" hangingPunct="0">
+              <a:lnSpc>
+                <a:spcPct val="100000"/>
+              </a:lnSpc>
+              <a:spcBef>
+                <a:spcPct val="0"/>
+              </a:spcBef>
+              <a:spcAft>
+                <a:spcPct val="0"/>
+              </a:spcAft>
+              <a:buClrTx/>
+              <a:buSzTx/>
+              <a:buFontTx/>
+              <a:buNone/>
+              <a:tabLst/>
+            </a:pPr>
+            <a:r>
+              <a:rPr kumimoji="0" lang="en-US" altLang="en-US" sz="2000" b="1" i="0" u="none" strike="noStrike" cap="none" normalizeH="0" baseline="0" dirty="0">
+                <a:ln>
+                  <a:noFill/>
+                </a:ln>
+                <a:solidFill>
+                  <a:srgbClr val="000080"/>
+                </a:solidFill>
+                <a:effectLst/>
+                <a:latin typeface="JetBrains Mono"/>
+              </a:rPr>
+              <a:t>from</a:t>
+            </a:r>
+            <a:r>
+              <a:rPr kumimoji="0" lang="en-US" altLang="en-US" sz="2000" b="0" i="0" u="none" strike="noStrike" cap="none" normalizeH="0" baseline="0" dirty="0">
+                <a:ln>
+                  <a:noFill/>
+                </a:ln>
+                <a:solidFill>
+                  <a:srgbClr val="000000"/>
+                </a:solidFill>
+                <a:effectLst/>
+                <a:latin typeface="JetBrains Mono"/>
+              </a:rPr>
+              <a:t> </a:t>
+            </a:r>
+            <a:r>
+              <a:rPr kumimoji="0" lang="en-US" altLang="en-US" sz="2000" b="0" i="0" u="none" strike="noStrike" cap="none" normalizeH="0" baseline="0" dirty="0" err="1">
+                <a:ln>
+                  <a:noFill/>
+                </a:ln>
+                <a:solidFill>
+                  <a:srgbClr val="000000"/>
+                </a:solidFill>
+                <a:effectLst/>
+                <a:latin typeface="JetBrains Mono"/>
+              </a:rPr>
+              <a:t>langchain.chains</a:t>
+            </a:r>
+            <a:r>
+              <a:rPr kumimoji="0" lang="en-US" altLang="en-US" sz="2000" b="0" i="0" u="none" strike="noStrike" cap="none" normalizeH="0" baseline="0" dirty="0">
+                <a:ln>
+                  <a:noFill/>
+                </a:ln>
+                <a:solidFill>
+                  <a:srgbClr val="000000"/>
+                </a:solidFill>
+                <a:effectLst/>
+                <a:latin typeface="JetBrains Mono"/>
+              </a:rPr>
+              <a:t> </a:t>
+            </a:r>
+            <a:r>
+              <a:rPr kumimoji="0" lang="en-US" altLang="en-US" sz="2000" b="1" i="0" u="none" strike="noStrike" cap="none" normalizeH="0" baseline="0" dirty="0">
+                <a:ln>
+                  <a:noFill/>
+                </a:ln>
+                <a:solidFill>
+                  <a:srgbClr val="000080"/>
+                </a:solidFill>
+                <a:effectLst/>
+                <a:latin typeface="JetBrains Mono"/>
+              </a:rPr>
+              <a:t>import</a:t>
+            </a:r>
+            <a:r>
+              <a:rPr kumimoji="0" lang="en-US" altLang="en-US" sz="2000" b="0" i="0" u="none" strike="noStrike" cap="none" normalizeH="0" baseline="0" dirty="0">
+                <a:ln>
+                  <a:noFill/>
+                </a:ln>
+                <a:solidFill>
+                  <a:srgbClr val="000000"/>
+                </a:solidFill>
+                <a:effectLst/>
+                <a:latin typeface="JetBrains Mono"/>
+              </a:rPr>
+              <a:t> </a:t>
+            </a:r>
+            <a:r>
+              <a:rPr kumimoji="0" lang="en-US" altLang="en-US" sz="2000" b="0" i="0" u="none" strike="noStrike" cap="none" normalizeH="0" baseline="0" dirty="0" err="1">
+                <a:ln>
+                  <a:noFill/>
+                </a:ln>
+                <a:solidFill>
+                  <a:srgbClr val="000000"/>
+                </a:solidFill>
+                <a:effectLst/>
+                <a:latin typeface="JetBrains Mono"/>
+              </a:rPr>
+              <a:t>RetrievalQA</a:t>
+            </a:r>
+            <a:endParaRPr kumimoji="0" lang="en-US" altLang="en-US" sz="2000" b="0" i="0" u="none" strike="noStrike" cap="none" normalizeH="0" baseline="0" dirty="0">
+              <a:ln>
+                <a:noFill/>
+              </a:ln>
+              <a:solidFill>
+                <a:schemeClr val="tx1"/>
+              </a:solidFill>
+              <a:effectLst/>
+              <a:latin typeface="Arial" panose="020B0604020202020204" pitchFamily="34" charset="0"/>
+            </a:endParaRPr>
+          </a:p>
+        </p:txBody>
+      </p:sp>
+      <p:pic>
+        <p:nvPicPr>
+          <p:cNvPr id="13" name="Picture 12">
+            <a:extLst>
+              <a:ext uri="{FF2B5EF4-FFF2-40B4-BE49-F238E27FC236}">
+                <a16:creationId xmlns:a16="http://schemas.microsoft.com/office/drawing/2014/main" id="{CAD10B43-6573-2A3F-980E-D294E00B8562}"/>
+              </a:ext>
+            </a:extLst>
+          </p:cNvPr>
+          <p:cNvPicPr>
+            <a:picLocks noChangeAspect="1"/>
+          </p:cNvPicPr>
+          <p:nvPr/>
+        </p:nvPicPr>
+        <p:blipFill>
+          <a:blip r:embed="rId4">
+            <a:extLst>
+              <a:ext uri="{28A0092B-C50C-407E-A947-70E740481C1C}">
+                <a14:useLocalDpi xmlns:a14="http://schemas.microsoft.com/office/drawing/2010/main" val="0"/>
+              </a:ext>
+            </a:extLst>
+          </a:blip>
+          <a:stretch>
+            <a:fillRect/>
+          </a:stretch>
+        </p:blipFill>
+        <p:spPr>
+          <a:xfrm>
+            <a:off x="1429428" y="3835706"/>
+            <a:ext cx="6811326" cy="2324424"/>
+          </a:xfrm>
+          <a:prstGeom prst="rect">
+            <a:avLst/>
+          </a:prstGeom>
+        </p:spPr>
+      </p:pic>
     </p:spTree>
     <p:extLst>
       <p:ext uri="{BB962C8B-B14F-4D97-AF65-F5344CB8AC3E}">
-        <p14:creationId xmlns:p14="http://schemas.microsoft.com/office/powerpoint/2010/main" val="3045977227"/>
+        <p14:creationId xmlns:p14="http://schemas.microsoft.com/office/powerpoint/2010/main" val="2683701805"/>
       </p:ext>
     </p:extLst>
   </p:cSld>
@@ -5613,20 +7389,6 @@
                 <a:latin typeface="Public Sans"/>
               </a:rPr>
               <a:t>Technical Details</a:t>
-            </a:r>
-          </a:p>
-          <a:p>
-            <a:r>
-              <a:rPr lang="en-US" dirty="0">
-                <a:solidFill>
-                  <a:schemeClr val="tx1">
-                    <a:lumMod val="50000"/>
-                    <a:lumOff val="50000"/>
-                  </a:schemeClr>
-                </a:solidFill>
-                <a:latin typeface="Public Sans"/>
-              </a:rPr>
-              <a:t>Evaluation</a:t>
             </a:r>
           </a:p>
           <a:p>
@@ -5722,99 +7484,17 @@
           <a:chExt cx="0" cy="0"/>
         </a:xfrm>
       </p:grpSpPr>
-      <p:sp>
-        <p:nvSpPr>
-          <p:cNvPr id="2" name="Title 1">
-            <a:extLst>
-              <a:ext uri="{FF2B5EF4-FFF2-40B4-BE49-F238E27FC236}">
-                <a16:creationId xmlns:a16="http://schemas.microsoft.com/office/drawing/2014/main" id="{44567494-5900-8D09-8A48-1F509F468F69}"/>
-              </a:ext>
-            </a:extLst>
-          </p:cNvPr>
-          <p:cNvSpPr>
-            <a:spLocks noGrp="1"/>
-          </p:cNvSpPr>
-          <p:nvPr>
-            <p:ph type="title"/>
-          </p:nvPr>
-        </p:nvSpPr>
-        <p:spPr>
-          <a:xfrm>
-            <a:off x="3108960" y="365125"/>
-            <a:ext cx="8244840" cy="1325563"/>
-          </a:xfrm>
-        </p:spPr>
-        <p:txBody>
-          <a:bodyPr/>
-          <a:lstStyle/>
-          <a:p>
-            <a:r>
-              <a:rPr lang="en-US" b="1" dirty="0" err="1">
-                <a:solidFill>
-                  <a:srgbClr val="1C1E21"/>
-                </a:solidFill>
-              </a:rPr>
-              <a:t>Streamlit</a:t>
-            </a:r>
-            <a:r>
-              <a:rPr lang="en-US" b="1" dirty="0">
-                <a:solidFill>
-                  <a:srgbClr val="1C1E21"/>
-                </a:solidFill>
-              </a:rPr>
-              <a:t> APP</a:t>
-            </a:r>
-            <a:endParaRPr lang="en-US" b="1" dirty="0"/>
-          </a:p>
-        </p:txBody>
-      </p:sp>
-      <p:sp>
-        <p:nvSpPr>
-          <p:cNvPr id="3" name="Content Placeholder 2">
-            <a:extLst>
-              <a:ext uri="{FF2B5EF4-FFF2-40B4-BE49-F238E27FC236}">
-                <a16:creationId xmlns:a16="http://schemas.microsoft.com/office/drawing/2014/main" id="{AD112359-4940-02C9-2E40-1C1100350BAF}"/>
-              </a:ext>
-            </a:extLst>
-          </p:cNvPr>
-          <p:cNvSpPr>
-            <a:spLocks noGrp="1"/>
-          </p:cNvSpPr>
-          <p:nvPr>
-            <p:ph idx="1"/>
-          </p:nvPr>
-        </p:nvSpPr>
-        <p:spPr>
-          <a:xfrm>
-            <a:off x="3108960" y="1825624"/>
-            <a:ext cx="8244840" cy="4666615"/>
-          </a:xfrm>
-        </p:spPr>
-        <p:txBody>
-          <a:bodyPr/>
-          <a:lstStyle/>
-          <a:p>
-            <a:endParaRPr lang="en-US" b="0" i="0" dirty="0">
-              <a:solidFill>
-                <a:srgbClr val="1C1E21"/>
-              </a:solidFill>
-              <a:effectLst/>
-              <a:latin typeface="Public Sans"/>
-            </a:endParaRPr>
-          </a:p>
-        </p:txBody>
-      </p:sp>
       <p:pic>
         <p:nvPicPr>
-          <p:cNvPr id="4" name="Picture 2" descr="Just a simple, clean quadruple color gradient. Dithered to avoid ...">
-            <a:extLst>
-              <a:ext uri="{FF2B5EF4-FFF2-40B4-BE49-F238E27FC236}">
-                <a16:creationId xmlns:a16="http://schemas.microsoft.com/office/drawing/2014/main" id="{38A6B6A3-68C8-DC15-11D6-391E6301D70F}"/>
+          <p:cNvPr id="3" name="Picture 2">
+            <a:extLst>
+              <a:ext uri="{FF2B5EF4-FFF2-40B4-BE49-F238E27FC236}">
+                <a16:creationId xmlns:a16="http://schemas.microsoft.com/office/drawing/2014/main" id="{1DE4F70B-E4B3-A28C-C8B4-4DC18FDF8B86}"/>
               </a:ext>
             </a:extLst>
           </p:cNvPr>
           <p:cNvPicPr>
-            <a:picLocks noChangeAspect="1" noChangeArrowheads="1"/>
+            <a:picLocks noChangeAspect="1"/>
           </p:cNvPicPr>
           <p:nvPr/>
         </p:nvPicPr>
@@ -5826,35 +7506,24 @@
               </a:ext>
             </a:extLst>
           </a:blip>
-          <a:srcRect/>
           <a:stretch>
             <a:fillRect/>
           </a:stretch>
         </p:blipFill>
-        <p:spPr bwMode="auto">
-          <a:xfrm rot="5400000">
-            <a:off x="-2032002" y="2032000"/>
-            <a:ext cx="6858001" cy="2794001"/>
+        <p:spPr>
+          <a:xfrm>
+            <a:off x="0" y="236176"/>
+            <a:ext cx="12192000" cy="6327896"/>
           </a:xfrm>
           <a:prstGeom prst="rect">
             <a:avLst/>
           </a:prstGeom>
-          <a:noFill/>
-          <a:extLst>
-            <a:ext uri="{909E8E84-426E-40DD-AFC4-6F175D3DCCD1}">
-              <a14:hiddenFill xmlns:a14="http://schemas.microsoft.com/office/drawing/2010/main">
-                <a:solidFill>
-                  <a:srgbClr val="FFFFFF"/>
-                </a:solidFill>
-              </a14:hiddenFill>
-            </a:ext>
-          </a:extLst>
         </p:spPr>
       </p:pic>
     </p:spTree>
     <p:extLst>
       <p:ext uri="{BB962C8B-B14F-4D97-AF65-F5344CB8AC3E}">
-        <p14:creationId xmlns:p14="http://schemas.microsoft.com/office/powerpoint/2010/main" val="1052213173"/>
+        <p14:creationId xmlns:p14="http://schemas.microsoft.com/office/powerpoint/2010/main" val="947140715"/>
       </p:ext>
     </p:extLst>
   </p:cSld>
@@ -5980,33 +7649,28 @@
               </a:rPr>
               <a:t>Methodology</a:t>
             </a:r>
-          </a:p>
-          <a:p>
-            <a:r>
-              <a:rPr lang="en-US" i="0" dirty="0">
+            <a:endParaRPr lang="en-US" b="0" i="0" dirty="0">
+              <a:solidFill>
+                <a:schemeClr val="tx1">
+                  <a:lumMod val="50000"/>
+                  <a:lumOff val="50000"/>
+                </a:schemeClr>
+              </a:solidFill>
+              <a:effectLst/>
+              <a:latin typeface="Public Sans"/>
+            </a:endParaRPr>
+          </a:p>
+          <a:p>
+            <a:r>
+              <a:rPr lang="en-US" dirty="0">
                 <a:solidFill>
                   <a:schemeClr val="tx1">
                     <a:lumMod val="50000"/>
                     <a:lumOff val="50000"/>
                   </a:schemeClr>
                 </a:solidFill>
-                <a:effectLst/>
                 <a:latin typeface="Public Sans"/>
               </a:rPr>
-              <a:t>Challenges</a:t>
-            </a:r>
-          </a:p>
-          <a:p>
-            <a:r>
-              <a:rPr lang="en-US" dirty="0">
-                <a:solidFill>
-                  <a:schemeClr val="tx1">
-                    <a:lumMod val="50000"/>
-                    <a:lumOff val="50000"/>
-                  </a:schemeClr>
-                </a:solidFill>
-                <a:latin typeface="Public Sans"/>
-              </a:rPr>
               <a:t>Technical Details</a:t>
             </a:r>
           </a:p>
@@ -6015,20 +7679,6 @@
               <a:rPr lang="en-US" b="1" dirty="0">
                 <a:solidFill>
                   <a:srgbClr val="C00000"/>
-                </a:solidFill>
-                <a:latin typeface="Public Sans"/>
-              </a:rPr>
-              <a:t>Evaluation</a:t>
-            </a:r>
-          </a:p>
-          <a:p>
-            <a:r>
-              <a:rPr lang="en-US" dirty="0">
-                <a:solidFill>
-                  <a:schemeClr val="tx1">
-                    <a:lumMod val="50000"/>
-                    <a:lumOff val="50000"/>
-                  </a:schemeClr>
                 </a:solidFill>
                 <a:latin typeface="Public Sans"/>
               </a:rPr>
@@ -6087,7 +7737,7 @@
     </p:spTree>
     <p:extLst>
       <p:ext uri="{BB962C8B-B14F-4D97-AF65-F5344CB8AC3E}">
-        <p14:creationId xmlns:p14="http://schemas.microsoft.com/office/powerpoint/2010/main" val="3791800120"/>
+        <p14:creationId xmlns:p14="http://schemas.microsoft.com/office/powerpoint/2010/main" val="4222580930"/>
       </p:ext>
     </p:extLst>
   </p:cSld>
@@ -6116,39 +7766,6 @@
       </p:grpSpPr>
       <p:sp>
         <p:nvSpPr>
-          <p:cNvPr id="2" name="Title 1">
-            <a:extLst>
-              <a:ext uri="{FF2B5EF4-FFF2-40B4-BE49-F238E27FC236}">
-                <a16:creationId xmlns:a16="http://schemas.microsoft.com/office/drawing/2014/main" id="{44567494-5900-8D09-8A48-1F509F468F69}"/>
-              </a:ext>
-            </a:extLst>
-          </p:cNvPr>
-          <p:cNvSpPr>
-            <a:spLocks noGrp="1"/>
-          </p:cNvSpPr>
-          <p:nvPr>
-            <p:ph type="title"/>
-          </p:nvPr>
-        </p:nvSpPr>
-        <p:spPr>
-          <a:xfrm>
-            <a:off x="3108960" y="365125"/>
-            <a:ext cx="8244840" cy="1325563"/>
-          </a:xfrm>
-        </p:spPr>
-        <p:txBody>
-          <a:bodyPr/>
-          <a:lstStyle/>
-          <a:p>
-            <a:r>
-              <a:rPr lang="en-US" b="1" dirty="0"/>
-              <a:t>RAGAS</a:t>
-            </a:r>
-          </a:p>
-        </p:txBody>
-      </p:sp>
-      <p:sp>
-        <p:nvSpPr>
           <p:cNvPr id="3" name="Content Placeholder 2">
             <a:extLst>
               <a:ext uri="{FF2B5EF4-FFF2-40B4-BE49-F238E27FC236}">
@@ -6165,24 +7782,167 @@
         </p:nvSpPr>
         <p:spPr>
           <a:xfrm>
-            <a:off x="3108960" y="1825624"/>
-            <a:ext cx="8244840" cy="4666615"/>
-          </a:xfrm>
-        </p:spPr>
-        <p:txBody>
-          <a:bodyPr/>
+            <a:off x="3118586" y="798898"/>
+            <a:ext cx="8537608" cy="5592277"/>
+          </a:xfrm>
+        </p:spPr>
+        <p:txBody>
+          <a:bodyPr>
+            <a:normAutofit/>
+          </a:bodyPr>
           <a:lstStyle/>
           <a:p>
-            <a:r>
-              <a:rPr lang="en-US" b="0" i="0" dirty="0">
-                <a:solidFill>
-                  <a:srgbClr val="1C1E21"/>
-                </a:solidFill>
-                <a:effectLst/>
-                <a:latin typeface="Public Sans"/>
-              </a:rPr>
-              <a:t>PICTURE</a:t>
-            </a:r>
+            <a:pPr marL="457200" indent="-457200">
+              <a:buFont typeface="+mj-lt"/>
+              <a:buAutoNum type="arabicPeriod"/>
+            </a:pPr>
+            <a:r>
+              <a:rPr lang="en-US" sz="2400" b="1" dirty="0">
+                <a:solidFill>
+                  <a:srgbClr val="C00000"/>
+                </a:solidFill>
+              </a:rPr>
+              <a:t>Expand Knowledge Base</a:t>
+            </a:r>
+          </a:p>
+          <a:p>
+            <a:pPr lvl="1"/>
+            <a:r>
+              <a:rPr lang="en-US" sz="2000" dirty="0"/>
+              <a:t>Continuously update and expand the FAQ database with new queries and detailed answers.</a:t>
+            </a:r>
+          </a:p>
+          <a:p>
+            <a:pPr lvl="1"/>
+            <a:r>
+              <a:rPr lang="en-US" sz="2000" dirty="0"/>
+              <a:t>Incorporate feedback from users to identify and address gaps in the current knowledge base.</a:t>
+            </a:r>
+          </a:p>
+          <a:p>
+            <a:pPr marL="457200" indent="-457200">
+              <a:buFont typeface="+mj-lt"/>
+              <a:buAutoNum type="arabicPeriod"/>
+            </a:pPr>
+            <a:r>
+              <a:rPr lang="en-US" sz="2400" b="1" dirty="0">
+                <a:solidFill>
+                  <a:srgbClr val="C00000"/>
+                </a:solidFill>
+              </a:rPr>
+              <a:t>Integration with Social Media and Messaging Platforms</a:t>
+            </a:r>
+          </a:p>
+          <a:p>
+            <a:pPr lvl="1"/>
+            <a:r>
+              <a:rPr lang="en-US" sz="2000" dirty="0"/>
+              <a:t>Extend the chatbot’s reach by integrating it with popular social media platforms and messaging apps. Ensure consistent and responsive interactions across all channels.</a:t>
+            </a:r>
+          </a:p>
+          <a:p>
+            <a:pPr marL="457200" indent="-457200">
+              <a:buFont typeface="+mj-lt"/>
+              <a:buAutoNum type="arabicPeriod"/>
+            </a:pPr>
+            <a:r>
+              <a:rPr lang="en-US" sz="2400" b="1" dirty="0">
+                <a:solidFill>
+                  <a:srgbClr val="C00000"/>
+                </a:solidFill>
+              </a:rPr>
+              <a:t>Lead Generation and Marketing Integration</a:t>
+            </a:r>
+          </a:p>
+          <a:p>
+            <a:pPr lvl="1"/>
+            <a:r>
+              <a:rPr lang="en-US" sz="2000" dirty="0"/>
+              <a:t>Collect and store all user queries along with their names and contact details.</a:t>
+            </a:r>
+          </a:p>
+          <a:p>
+            <a:pPr lvl="1"/>
+            <a:r>
+              <a:rPr lang="en-US" sz="2000" dirty="0"/>
+              <a:t>Export collected data into CSV files for the marketing team to use for lead generation and follow-up.</a:t>
+            </a:r>
+          </a:p>
+          <a:p>
+            <a:pPr lvl="1"/>
+            <a:r>
+              <a:rPr lang="en-US" sz="2000" dirty="0"/>
+              <a:t>Implement data analytics to identify potential leads and target them with personalized marketing campaigns.</a:t>
+            </a:r>
+            <a:endParaRPr lang="en-US" sz="2400" b="1" dirty="0">
+              <a:solidFill>
+                <a:srgbClr val="C00000"/>
+              </a:solidFill>
+            </a:endParaRPr>
+          </a:p>
+          <a:p>
+            <a:endParaRPr lang="en-US" dirty="0"/>
+          </a:p>
+          <a:p>
+            <a:endParaRPr kumimoji="0" lang="en-US" altLang="en-US" sz="2800" b="0" i="0" u="none" strike="noStrike" cap="none" normalizeH="0" baseline="0" dirty="0">
+              <a:ln>
+                <a:noFill/>
+              </a:ln>
+              <a:solidFill>
+                <a:schemeClr val="tx1"/>
+              </a:solidFill>
+              <a:effectLst/>
+              <a:latin typeface="Arial" panose="020B0604020202020204" pitchFamily="34" charset="0"/>
+            </a:endParaRPr>
+          </a:p>
+          <a:p>
+            <a:pPr marL="0" marR="0" lvl="0" indent="0" algn="l" defTabSz="914400" rtl="0" eaLnBrk="0" fontAlgn="base" latinLnBrk="0" hangingPunct="0">
+              <a:lnSpc>
+                <a:spcPct val="100000"/>
+              </a:lnSpc>
+              <a:spcBef>
+                <a:spcPct val="0"/>
+              </a:spcBef>
+              <a:spcAft>
+                <a:spcPct val="0"/>
+              </a:spcAft>
+              <a:buClrTx/>
+              <a:buSzTx/>
+              <a:buFontTx/>
+              <a:buNone/>
+              <a:tabLst/>
+            </a:pPr>
+            <a:endParaRPr kumimoji="0" lang="en-US" altLang="en-US" sz="2800" b="0" i="0" u="none" strike="noStrike" cap="none" normalizeH="0" baseline="0" dirty="0">
+              <a:ln>
+                <a:noFill/>
+              </a:ln>
+              <a:solidFill>
+                <a:schemeClr val="tx1"/>
+              </a:solidFill>
+              <a:effectLst/>
+              <a:latin typeface="Arial" panose="020B0604020202020204" pitchFamily="34" charset="0"/>
+            </a:endParaRPr>
+          </a:p>
+          <a:p>
+            <a:endParaRPr lang="en-US" dirty="0"/>
+          </a:p>
+          <a:p>
+            <a:endParaRPr lang="en-US" dirty="0"/>
+          </a:p>
+          <a:p>
+            <a:pPr marL="0" indent="0">
+              <a:buNone/>
+            </a:pPr>
+            <a:endParaRPr lang="en-US" dirty="0"/>
+          </a:p>
+          <a:p>
+            <a:endParaRPr lang="en-US" b="0" i="0" dirty="0">
+              <a:solidFill>
+                <a:srgbClr val="1C1E21"/>
+              </a:solidFill>
+              <a:effectLst/>
+              <a:latin typeface="Public Sans"/>
+            </a:endParaRPr>
           </a:p>
         </p:txBody>
       </p:sp>
@@ -6236,7 +7996,7 @@
     </p:spTree>
     <p:extLst>
       <p:ext uri="{BB962C8B-B14F-4D97-AF65-F5344CB8AC3E}">
-        <p14:creationId xmlns:p14="http://schemas.microsoft.com/office/powerpoint/2010/main" val="1834911894"/>
+        <p14:creationId xmlns:p14="http://schemas.microsoft.com/office/powerpoint/2010/main" val="1411922526"/>
       </p:ext>
     </p:extLst>
   </p:cSld>
@@ -6265,39 +8025,6 @@
       </p:grpSpPr>
       <p:sp>
         <p:nvSpPr>
-          <p:cNvPr id="2" name="Title 1">
-            <a:extLst>
-              <a:ext uri="{FF2B5EF4-FFF2-40B4-BE49-F238E27FC236}">
-                <a16:creationId xmlns:a16="http://schemas.microsoft.com/office/drawing/2014/main" id="{44567494-5900-8D09-8A48-1F509F468F69}"/>
-              </a:ext>
-            </a:extLst>
-          </p:cNvPr>
-          <p:cNvSpPr>
-            <a:spLocks noGrp="1"/>
-          </p:cNvSpPr>
-          <p:nvPr>
-            <p:ph type="title"/>
-          </p:nvPr>
-        </p:nvSpPr>
-        <p:spPr>
-          <a:xfrm>
-            <a:off x="3108960" y="365125"/>
-            <a:ext cx="8244840" cy="1325563"/>
-          </a:xfrm>
-        </p:spPr>
-        <p:txBody>
-          <a:bodyPr/>
-          <a:lstStyle/>
-          <a:p>
-            <a:r>
-              <a:rPr lang="en-US" b="1" dirty="0"/>
-              <a:t>RAGAS</a:t>
-            </a:r>
-          </a:p>
-        </p:txBody>
-      </p:sp>
-      <p:sp>
-        <p:nvSpPr>
           <p:cNvPr id="3" name="Content Placeholder 2">
             <a:extLst>
               <a:ext uri="{FF2B5EF4-FFF2-40B4-BE49-F238E27FC236}">
@@ -6314,24 +8041,156 @@
         </p:nvSpPr>
         <p:spPr>
           <a:xfrm>
-            <a:off x="3108960" y="1825624"/>
-            <a:ext cx="8244840" cy="4666615"/>
-          </a:xfrm>
-        </p:spPr>
-        <p:txBody>
-          <a:bodyPr/>
+            <a:off x="3118586" y="798898"/>
+            <a:ext cx="8537608" cy="5592277"/>
+          </a:xfrm>
+        </p:spPr>
+        <p:txBody>
+          <a:bodyPr>
+            <a:normAutofit/>
+          </a:bodyPr>
           <a:lstStyle/>
           <a:p>
-            <a:r>
-              <a:rPr lang="en-US" b="0" i="0" dirty="0">
-                <a:solidFill>
-                  <a:srgbClr val="1C1E21"/>
-                </a:solidFill>
-                <a:effectLst/>
-                <a:latin typeface="Public Sans"/>
-              </a:rPr>
-              <a:t>Scores</a:t>
-            </a:r>
+            <a:pPr marL="0" indent="0">
+              <a:buNone/>
+            </a:pPr>
+            <a:r>
+              <a:rPr lang="en-US" sz="2400" b="1" dirty="0">
+                <a:solidFill>
+                  <a:srgbClr val="C00000"/>
+                </a:solidFill>
+              </a:rPr>
+              <a:t>4.   Context-Aware Chatbot:</a:t>
+            </a:r>
+          </a:p>
+          <a:p>
+            <a:pPr lvl="1"/>
+            <a:r>
+              <a:rPr lang="en-US" sz="2000" dirty="0"/>
+              <a:t>Develop the application into a full-fledged chatbot that maintains the context of the conversation.</a:t>
+            </a:r>
+          </a:p>
+          <a:p>
+            <a:pPr lvl="1"/>
+            <a:r>
+              <a:rPr lang="en-US" sz="2000" dirty="0"/>
+              <a:t>Use contextual understanding to provide more accurate and relevant responses to follow-up questions.</a:t>
+            </a:r>
+          </a:p>
+          <a:p>
+            <a:pPr marL="0" indent="0">
+              <a:buNone/>
+            </a:pPr>
+            <a:r>
+              <a:rPr lang="en-US" sz="2400" b="1" dirty="0">
+                <a:solidFill>
+                  <a:srgbClr val="C00000"/>
+                </a:solidFill>
+              </a:rPr>
+              <a:t>5.    Internal Query Handling for Registered Students:</a:t>
+            </a:r>
+          </a:p>
+          <a:p>
+            <a:pPr lvl="1"/>
+            <a:r>
+              <a:rPr lang="en-US" sz="2000" dirty="0"/>
+              <a:t>Enable registered students to ask admin-related queries, such as fee status, course progress, and schedule.</a:t>
+            </a:r>
+          </a:p>
+          <a:p>
+            <a:pPr lvl="1"/>
+            <a:r>
+              <a:rPr lang="en-US" sz="2000" dirty="0"/>
+              <a:t>Integrate with the student database to fetch and provide accurate responses to these queries.</a:t>
+            </a:r>
+          </a:p>
+          <a:p>
+            <a:pPr marL="0" indent="0">
+              <a:buNone/>
+            </a:pPr>
+            <a:r>
+              <a:rPr lang="en-US" sz="2400" b="1" dirty="0">
+                <a:solidFill>
+                  <a:srgbClr val="C00000"/>
+                </a:solidFill>
+              </a:rPr>
+              <a:t>6.    Enhanced User Data Management:</a:t>
+            </a:r>
+          </a:p>
+          <a:p>
+            <a:pPr lvl="1"/>
+            <a:r>
+              <a:rPr lang="en-US" sz="2000" dirty="0"/>
+              <a:t>Implement a user profile management system to keep track of user interactions, preferences, and history.</a:t>
+            </a:r>
+          </a:p>
+          <a:p>
+            <a:pPr lvl="1"/>
+            <a:r>
+              <a:rPr lang="en-US" sz="2000" dirty="0"/>
+              <a:t>Use this data to personalize responses and recommendations.</a:t>
+            </a:r>
+          </a:p>
+          <a:p>
+            <a:endParaRPr kumimoji="0" lang="en-US" altLang="en-US" sz="2800" b="0" i="0" u="none" strike="noStrike" cap="none" normalizeH="0" baseline="0" dirty="0">
+              <a:ln>
+                <a:noFill/>
+              </a:ln>
+              <a:solidFill>
+                <a:schemeClr val="tx1"/>
+              </a:solidFill>
+              <a:effectLst/>
+              <a:latin typeface="Arial" panose="020B0604020202020204" pitchFamily="34" charset="0"/>
+            </a:endParaRPr>
+          </a:p>
+          <a:p>
+            <a:pPr marL="0" marR="0" lvl="0" indent="0" algn="l" defTabSz="914400" rtl="0" eaLnBrk="0" fontAlgn="base" latinLnBrk="0" hangingPunct="0">
+              <a:lnSpc>
+                <a:spcPct val="100000"/>
+              </a:lnSpc>
+              <a:spcBef>
+                <a:spcPct val="0"/>
+              </a:spcBef>
+              <a:spcAft>
+                <a:spcPct val="0"/>
+              </a:spcAft>
+              <a:buClrTx/>
+              <a:buSzTx/>
+              <a:buFontTx/>
+              <a:buNone/>
+              <a:tabLst/>
+            </a:pPr>
+            <a:endParaRPr kumimoji="0" lang="en-US" altLang="en-US" sz="2800" b="0" i="0" u="none" strike="noStrike" cap="none" normalizeH="0" baseline="0" dirty="0">
+              <a:ln>
+                <a:noFill/>
+              </a:ln>
+              <a:solidFill>
+                <a:schemeClr val="tx1"/>
+              </a:solidFill>
+              <a:effectLst/>
+              <a:latin typeface="Arial" panose="020B0604020202020204" pitchFamily="34" charset="0"/>
+            </a:endParaRPr>
+          </a:p>
+          <a:p>
+            <a:endParaRPr lang="en-US" dirty="0"/>
+          </a:p>
+          <a:p>
+            <a:endParaRPr lang="en-US" dirty="0"/>
+          </a:p>
+          <a:p>
+            <a:pPr marL="0" indent="0">
+              <a:buNone/>
+            </a:pPr>
+            <a:endParaRPr lang="en-US" dirty="0"/>
+          </a:p>
+          <a:p>
+            <a:endParaRPr lang="en-US" b="0" i="0" dirty="0">
+              <a:solidFill>
+                <a:srgbClr val="1C1E21"/>
+              </a:solidFill>
+              <a:effectLst/>
+              <a:latin typeface="Public Sans"/>
+            </a:endParaRPr>
           </a:p>
         </p:txBody>
       </p:sp>
@@ -6385,390 +8244,7 @@
     </p:spTree>
     <p:extLst>
       <p:ext uri="{BB962C8B-B14F-4D97-AF65-F5344CB8AC3E}">
-        <p14:creationId xmlns:p14="http://schemas.microsoft.com/office/powerpoint/2010/main" val="2039201408"/>
-      </p:ext>
-    </p:extLst>
-  </p:cSld>
-  <p:clrMapOvr>
-    <a:masterClrMapping/>
-  </p:clrMapOvr>
-</p:sld>
-</file>
-
-<file path=ppt/slides/slide24.xml><?xml version="1.0" encoding="utf-8"?>
-<p:sld xmlns:a="http://schemas.openxmlformats.org/drawingml/2006/main" xmlns:r="http://schemas.openxmlformats.org/officeDocument/2006/relationships" xmlns:p="http://schemas.openxmlformats.org/presentationml/2006/main">
-  <p:cSld>
-    <p:spTree>
-      <p:nvGrpSpPr>
-        <p:cNvPr id="1" name=""/>
-        <p:cNvGrpSpPr/>
-        <p:nvPr/>
-      </p:nvGrpSpPr>
-      <p:grpSpPr>
-        <a:xfrm>
-          <a:off x="0" y="0"/>
-          <a:ext cx="0" cy="0"/>
-          <a:chOff x="0" y="0"/>
-          <a:chExt cx="0" cy="0"/>
-        </a:xfrm>
-      </p:grpSpPr>
-      <p:sp>
-        <p:nvSpPr>
-          <p:cNvPr id="2" name="Title 1">
-            <a:extLst>
-              <a:ext uri="{FF2B5EF4-FFF2-40B4-BE49-F238E27FC236}">
-                <a16:creationId xmlns:a16="http://schemas.microsoft.com/office/drawing/2014/main" id="{44567494-5900-8D09-8A48-1F509F468F69}"/>
-              </a:ext>
-            </a:extLst>
-          </p:cNvPr>
-          <p:cNvSpPr>
-            <a:spLocks noGrp="1"/>
-          </p:cNvSpPr>
-          <p:nvPr>
-            <p:ph type="title"/>
-          </p:nvPr>
-        </p:nvSpPr>
-        <p:spPr>
-          <a:xfrm>
-            <a:off x="6675120" y="365125"/>
-            <a:ext cx="4678680" cy="1325563"/>
-          </a:xfrm>
-        </p:spPr>
-        <p:txBody>
-          <a:bodyPr/>
-          <a:lstStyle/>
-          <a:p>
-            <a:r>
-              <a:rPr lang="en-US" b="1" dirty="0"/>
-              <a:t>Contents</a:t>
-            </a:r>
-          </a:p>
-        </p:txBody>
-      </p:sp>
-      <p:sp>
-        <p:nvSpPr>
-          <p:cNvPr id="3" name="Content Placeholder 2">
-            <a:extLst>
-              <a:ext uri="{FF2B5EF4-FFF2-40B4-BE49-F238E27FC236}">
-                <a16:creationId xmlns:a16="http://schemas.microsoft.com/office/drawing/2014/main" id="{AD112359-4940-02C9-2E40-1C1100350BAF}"/>
-              </a:ext>
-            </a:extLst>
-          </p:cNvPr>
-          <p:cNvSpPr>
-            <a:spLocks noGrp="1"/>
-          </p:cNvSpPr>
-          <p:nvPr>
-            <p:ph idx="1"/>
-          </p:nvPr>
-        </p:nvSpPr>
-        <p:spPr>
-          <a:xfrm>
-            <a:off x="7193280" y="1825624"/>
-            <a:ext cx="4160520" cy="4666615"/>
-          </a:xfrm>
-        </p:spPr>
-        <p:txBody>
-          <a:bodyPr/>
-          <a:lstStyle/>
-          <a:p>
-            <a:r>
-              <a:rPr lang="en-US" dirty="0">
-                <a:solidFill>
-                  <a:schemeClr val="tx1">
-                    <a:lumMod val="50000"/>
-                    <a:lumOff val="50000"/>
-                  </a:schemeClr>
-                </a:solidFill>
-                <a:latin typeface="Public Sans"/>
-              </a:rPr>
-              <a:t>Problem Statement</a:t>
-            </a:r>
-          </a:p>
-          <a:p>
-            <a:r>
-              <a:rPr lang="en-US" dirty="0">
-                <a:solidFill>
-                  <a:schemeClr val="tx1">
-                    <a:lumMod val="50000"/>
-                    <a:lumOff val="50000"/>
-                  </a:schemeClr>
-                </a:solidFill>
-                <a:latin typeface="Public Sans"/>
-              </a:rPr>
-              <a:t>Proposed Solution</a:t>
-            </a:r>
-          </a:p>
-          <a:p>
-            <a:r>
-              <a:rPr lang="en-US" dirty="0">
-                <a:solidFill>
-                  <a:schemeClr val="tx1">
-                    <a:lumMod val="50000"/>
-                    <a:lumOff val="50000"/>
-                  </a:schemeClr>
-                </a:solidFill>
-                <a:latin typeface="Public Sans"/>
-              </a:rPr>
-              <a:t>Methodology</a:t>
-            </a:r>
-            <a:endParaRPr lang="en-US" b="0" i="0" dirty="0">
-              <a:solidFill>
-                <a:schemeClr val="tx1">
-                  <a:lumMod val="50000"/>
-                  <a:lumOff val="50000"/>
-                </a:schemeClr>
-              </a:solidFill>
-              <a:effectLst/>
-              <a:latin typeface="Public Sans"/>
-            </a:endParaRPr>
-          </a:p>
-          <a:p>
-            <a:r>
-              <a:rPr lang="en-US" dirty="0">
-                <a:solidFill>
-                  <a:schemeClr val="tx1">
-                    <a:lumMod val="50000"/>
-                    <a:lumOff val="50000"/>
-                  </a:schemeClr>
-                </a:solidFill>
-                <a:latin typeface="Public Sans"/>
-              </a:rPr>
-              <a:t>Technical Details</a:t>
-            </a:r>
-          </a:p>
-          <a:p>
-            <a:r>
-              <a:rPr lang="en-US" dirty="0">
-                <a:solidFill>
-                  <a:schemeClr val="tx1">
-                    <a:lumMod val="50000"/>
-                    <a:lumOff val="50000"/>
-                  </a:schemeClr>
-                </a:solidFill>
-                <a:latin typeface="Public Sans"/>
-              </a:rPr>
-              <a:t>Evaluation</a:t>
-            </a:r>
-          </a:p>
-          <a:p>
-            <a:r>
-              <a:rPr lang="en-US" b="1" dirty="0">
-                <a:solidFill>
-                  <a:srgbClr val="C00000"/>
-                </a:solidFill>
-                <a:latin typeface="Public Sans"/>
-              </a:rPr>
-              <a:t>Future Scope</a:t>
-            </a:r>
-          </a:p>
-        </p:txBody>
-      </p:sp>
-      <p:pic>
-        <p:nvPicPr>
-          <p:cNvPr id="4" name="Picture 2" descr="Just a simple, clean quadruple color gradient. Dithered to avoid ...">
-            <a:extLst>
-              <a:ext uri="{FF2B5EF4-FFF2-40B4-BE49-F238E27FC236}">
-                <a16:creationId xmlns:a16="http://schemas.microsoft.com/office/drawing/2014/main" id="{38A6B6A3-68C8-DC15-11D6-391E6301D70F}"/>
-              </a:ext>
-            </a:extLst>
-          </p:cNvPr>
-          <p:cNvPicPr>
-            <a:picLocks noChangeAspect="1" noChangeArrowheads="1"/>
-          </p:cNvPicPr>
-          <p:nvPr/>
-        </p:nvPicPr>
-        <p:blipFill>
-          <a:blip r:embed="rId2">
-            <a:extLst>
-              <a:ext uri="{28A0092B-C50C-407E-A947-70E740481C1C}">
-                <a14:useLocalDpi xmlns:a14="http://schemas.microsoft.com/office/drawing/2010/main" val="0"/>
-              </a:ext>
-            </a:extLst>
-          </a:blip>
-          <a:srcRect/>
-          <a:stretch>
-            <a:fillRect/>
-          </a:stretch>
-        </p:blipFill>
-        <p:spPr bwMode="auto">
-          <a:xfrm rot="5400000">
-            <a:off x="-345443" y="345440"/>
-            <a:ext cx="6858001" cy="6167122"/>
-          </a:xfrm>
-          <a:prstGeom prst="rect">
-            <a:avLst/>
-          </a:prstGeom>
-          <a:noFill/>
-          <a:extLst>
-            <a:ext uri="{909E8E84-426E-40DD-AFC4-6F175D3DCCD1}">
-              <a14:hiddenFill xmlns:a14="http://schemas.microsoft.com/office/drawing/2010/main">
-                <a:solidFill>
-                  <a:srgbClr val="FFFFFF"/>
-                </a:solidFill>
-              </a14:hiddenFill>
-            </a:ext>
-          </a:extLst>
-        </p:spPr>
-      </p:pic>
-    </p:spTree>
-    <p:extLst>
-      <p:ext uri="{BB962C8B-B14F-4D97-AF65-F5344CB8AC3E}">
-        <p14:creationId xmlns:p14="http://schemas.microsoft.com/office/powerpoint/2010/main" val="4222580930"/>
-      </p:ext>
-    </p:extLst>
-  </p:cSld>
-  <p:clrMapOvr>
-    <a:masterClrMapping/>
-  </p:clrMapOvr>
-</p:sld>
-</file>
-
-<file path=ppt/slides/slide25.xml><?xml version="1.0" encoding="utf-8"?>
-<p:sld xmlns:a="http://schemas.openxmlformats.org/drawingml/2006/main" xmlns:r="http://schemas.openxmlformats.org/officeDocument/2006/relationships" xmlns:p="http://schemas.openxmlformats.org/presentationml/2006/main">
-  <p:cSld>
-    <p:spTree>
-      <p:nvGrpSpPr>
-        <p:cNvPr id="1" name=""/>
-        <p:cNvGrpSpPr/>
-        <p:nvPr/>
-      </p:nvGrpSpPr>
-      <p:grpSpPr>
-        <a:xfrm>
-          <a:off x="0" y="0"/>
-          <a:ext cx="0" cy="0"/>
-          <a:chOff x="0" y="0"/>
-          <a:chExt cx="0" cy="0"/>
-        </a:xfrm>
-      </p:grpSpPr>
-      <p:sp>
-        <p:nvSpPr>
-          <p:cNvPr id="2" name="Title 1">
-            <a:extLst>
-              <a:ext uri="{FF2B5EF4-FFF2-40B4-BE49-F238E27FC236}">
-                <a16:creationId xmlns:a16="http://schemas.microsoft.com/office/drawing/2014/main" id="{44567494-5900-8D09-8A48-1F509F468F69}"/>
-              </a:ext>
-            </a:extLst>
-          </p:cNvPr>
-          <p:cNvSpPr>
-            <a:spLocks noGrp="1"/>
-          </p:cNvSpPr>
-          <p:nvPr>
-            <p:ph type="title"/>
-          </p:nvPr>
-        </p:nvSpPr>
-        <p:spPr>
-          <a:xfrm>
-            <a:off x="3108960" y="365125"/>
-            <a:ext cx="8244840" cy="1325563"/>
-          </a:xfrm>
-        </p:spPr>
-        <p:txBody>
-          <a:bodyPr/>
-          <a:lstStyle/>
-          <a:p>
-            <a:r>
-              <a:rPr lang="en-US" b="1" dirty="0"/>
-              <a:t>RAGAS</a:t>
-            </a:r>
-          </a:p>
-        </p:txBody>
-      </p:sp>
-      <p:sp>
-        <p:nvSpPr>
-          <p:cNvPr id="3" name="Content Placeholder 2">
-            <a:extLst>
-              <a:ext uri="{FF2B5EF4-FFF2-40B4-BE49-F238E27FC236}">
-                <a16:creationId xmlns:a16="http://schemas.microsoft.com/office/drawing/2014/main" id="{AD112359-4940-02C9-2E40-1C1100350BAF}"/>
-              </a:ext>
-            </a:extLst>
-          </p:cNvPr>
-          <p:cNvSpPr>
-            <a:spLocks noGrp="1"/>
-          </p:cNvSpPr>
-          <p:nvPr>
-            <p:ph idx="1"/>
-          </p:nvPr>
-        </p:nvSpPr>
-        <p:spPr>
-          <a:xfrm>
-            <a:off x="3108960" y="1825624"/>
-            <a:ext cx="8244840" cy="4666615"/>
-          </a:xfrm>
-        </p:spPr>
-        <p:txBody>
-          <a:bodyPr/>
-          <a:lstStyle/>
-          <a:p>
-            <a:r>
-              <a:rPr lang="en-US" dirty="0">
-                <a:solidFill>
-                  <a:srgbClr val="1C1E21"/>
-                </a:solidFill>
-                <a:latin typeface="Public Sans"/>
-              </a:rPr>
-              <a:t>Scores</a:t>
-            </a:r>
-            <a:endParaRPr lang="en-US" b="0" i="0" dirty="0">
-              <a:solidFill>
-                <a:srgbClr val="1C1E21"/>
-              </a:solidFill>
-              <a:effectLst/>
-              <a:latin typeface="Public Sans"/>
-            </a:endParaRPr>
-          </a:p>
-        </p:txBody>
-      </p:sp>
-      <p:pic>
-        <p:nvPicPr>
-          <p:cNvPr id="4" name="Picture 2" descr="Just a simple, clean quadruple color gradient. Dithered to avoid ...">
-            <a:extLst>
-              <a:ext uri="{FF2B5EF4-FFF2-40B4-BE49-F238E27FC236}">
-                <a16:creationId xmlns:a16="http://schemas.microsoft.com/office/drawing/2014/main" id="{38A6B6A3-68C8-DC15-11D6-391E6301D70F}"/>
-              </a:ext>
-            </a:extLst>
-          </p:cNvPr>
-          <p:cNvPicPr>
-            <a:picLocks noChangeAspect="1" noChangeArrowheads="1"/>
-          </p:cNvPicPr>
-          <p:nvPr/>
-        </p:nvPicPr>
-        <p:blipFill>
-          <a:blip r:embed="rId2">
-            <a:extLst>
-              <a:ext uri="{28A0092B-C50C-407E-A947-70E740481C1C}">
-                <a14:useLocalDpi xmlns:a14="http://schemas.microsoft.com/office/drawing/2010/main" val="0"/>
-              </a:ext>
-            </a:extLst>
-          </a:blip>
-          <a:srcRect/>
-          <a:stretch>
-            <a:fillRect/>
-          </a:stretch>
-        </p:blipFill>
-        <p:spPr bwMode="auto">
-          <a:xfrm rot="5400000">
-            <a:off x="-2032002" y="2032000"/>
-            <a:ext cx="6858001" cy="2794001"/>
-          </a:xfrm>
-          <a:prstGeom prst="rect">
-            <a:avLst/>
-          </a:prstGeom>
-          <a:noFill/>
-          <a:extLst>
-            <a:ext uri="{909E8E84-426E-40DD-AFC4-6F175D3DCCD1}">
-              <a14:hiddenFill xmlns:a14="http://schemas.microsoft.com/office/drawing/2010/main">
-                <a:solidFill>
-                  <a:srgbClr val="FFFFFF"/>
-                </a:solidFill>
-              </a14:hiddenFill>
-            </a:ext>
-          </a:extLst>
-        </p:spPr>
-      </p:pic>
-    </p:spTree>
-    <p:extLst>
-      <p:ext uri="{BB962C8B-B14F-4D97-AF65-F5344CB8AC3E}">
-        <p14:creationId xmlns:p14="http://schemas.microsoft.com/office/powerpoint/2010/main" val="2887599119"/>
+        <p14:creationId xmlns:p14="http://schemas.microsoft.com/office/powerpoint/2010/main" val="3685618399"/>
       </p:ext>
     </p:extLst>
   </p:cSld>
@@ -7160,20 +8636,6 @@
                 </a:solidFill>
                 <a:latin typeface="Public Sans"/>
               </a:rPr>
-              <a:t>Evaluation</a:t>
-            </a:r>
-          </a:p>
-          <a:p>
-            <a:r>
-              <a:rPr lang="en-US" dirty="0">
-                <a:solidFill>
-                  <a:schemeClr val="tx1">
-                    <a:lumMod val="50000"/>
-                    <a:lumOff val="50000"/>
-                  </a:schemeClr>
-                </a:solidFill>
-                <a:latin typeface="Public Sans"/>
-              </a:rPr>
               <a:t>Future Scope</a:t>
             </a:r>
           </a:p>
@@ -7330,7 +8792,46 @@
                 <a:effectLst/>
                 <a:latin typeface="Public Sans"/>
               </a:rPr>
-              <a:t>Develop a chatbot using Retrieval-Augmented Generation (RAG) for FAQs.</a:t>
+              <a:t>Develop a </a:t>
+            </a:r>
+            <a:r>
+              <a:rPr lang="en-US" b="0" i="0" dirty="0" err="1">
+                <a:solidFill>
+                  <a:srgbClr val="1C1E21"/>
+                </a:solidFill>
+                <a:effectLst/>
+                <a:latin typeface="Public Sans"/>
+              </a:rPr>
+              <a:t>FAQbot</a:t>
+            </a:r>
+            <a:r>
+              <a:rPr lang="en-US" b="0" i="0" dirty="0">
+                <a:solidFill>
+                  <a:srgbClr val="1C1E21"/>
+                </a:solidFill>
+                <a:effectLst/>
+                <a:latin typeface="Public Sans"/>
+              </a:rPr>
+              <a:t> using Retrieval-Augmented Generation (RAG</a:t>
+            </a:r>
+            <a:r>
+              <a:rPr lang="en-US" dirty="0">
+                <a:solidFill>
+                  <a:srgbClr val="1C1E21"/>
+                </a:solidFill>
+                <a:latin typeface="Public Sans"/>
+              </a:rPr>
+              <a:t>)</a:t>
+            </a:r>
+            <a:r>
+              <a:rPr lang="en-US" b="0" i="0" dirty="0">
+                <a:solidFill>
+                  <a:srgbClr val="1C1E21"/>
+                </a:solidFill>
+                <a:effectLst/>
+                <a:latin typeface="Public Sans"/>
+              </a:rPr>
+              <a:t>.</a:t>
             </a:r>
           </a:p>
           <a:p>
@@ -7611,20 +9112,6 @@
                 </a:solidFill>
                 <a:latin typeface="Public Sans"/>
               </a:rPr>
-              <a:t>Evaluation</a:t>
-            </a:r>
-          </a:p>
-          <a:p>
-            <a:r>
-              <a:rPr lang="en-US" dirty="0">
-                <a:solidFill>
-                  <a:schemeClr val="tx1">
-                    <a:lumMod val="50000"/>
-                    <a:lumOff val="50000"/>
-                  </a:schemeClr>
-                </a:solidFill>
-                <a:latin typeface="Public Sans"/>
-              </a:rPr>
               <a:t>Future Scope</a:t>
             </a:r>
           </a:p>
@@ -7923,56 +9410,42 @@
           <a:chExt cx="0" cy="0"/>
         </a:xfrm>
       </p:grpSpPr>
-      <p:sp>
-        <p:nvSpPr>
-          <p:cNvPr id="2" name="Title 1">
-            <a:extLst>
-              <a:ext uri="{FF2B5EF4-FFF2-40B4-BE49-F238E27FC236}">
-                <a16:creationId xmlns:a16="http://schemas.microsoft.com/office/drawing/2014/main" id="{5948B189-18C8-8122-494B-1EBE55C592AD}"/>
-              </a:ext>
-            </a:extLst>
-          </p:cNvPr>
-          <p:cNvSpPr>
-            <a:spLocks noGrp="1"/>
-          </p:cNvSpPr>
-          <p:nvPr>
-            <p:ph type="title"/>
-          </p:nvPr>
-        </p:nvSpPr>
-        <p:spPr/>
-        <p:txBody>
-          <a:bodyPr/>
-          <a:lstStyle/>
-          <a:p>
-            <a:endParaRPr lang="en-US"/>
-          </a:p>
-        </p:txBody>
-      </p:sp>
-      <p:sp>
-        <p:nvSpPr>
-          <p:cNvPr id="3" name="Content Placeholder 2">
-            <a:extLst>
-              <a:ext uri="{FF2B5EF4-FFF2-40B4-BE49-F238E27FC236}">
-                <a16:creationId xmlns:a16="http://schemas.microsoft.com/office/drawing/2014/main" id="{E26AFC14-6220-25EC-3F55-1D6F888DB28C}"/>
-              </a:ext>
-            </a:extLst>
-          </p:cNvPr>
-          <p:cNvSpPr>
-            <a:spLocks noGrp="1"/>
-          </p:cNvSpPr>
-          <p:nvPr>
-            <p:ph idx="1"/>
-          </p:nvPr>
-        </p:nvSpPr>
-        <p:spPr/>
-        <p:txBody>
-          <a:bodyPr/>
-          <a:lstStyle/>
-          <a:p>
-            <a:endParaRPr lang="en-US"/>
-          </a:p>
-        </p:txBody>
-      </p:sp>
+      <p:pic>
+        <p:nvPicPr>
+          <p:cNvPr id="7" name="Picture 6">
+            <a:extLst>
+              <a:ext uri="{FF2B5EF4-FFF2-40B4-BE49-F238E27FC236}">
+                <a16:creationId xmlns:a16="http://schemas.microsoft.com/office/drawing/2014/main" id="{FA4B9AF0-4EA1-FECB-DF5B-4C4D5C670FB1}"/>
+              </a:ext>
+            </a:extLst>
+          </p:cNvPr>
+          <p:cNvPicPr>
+            <a:picLocks noChangeAspect="1"/>
+          </p:cNvPicPr>
+          <p:nvPr/>
+        </p:nvPicPr>
+        <p:blipFill>
+          <a:blip r:embed="rId2">
+            <a:extLst>
+              <a:ext uri="{28A0092B-C50C-407E-A947-70E740481C1C}">
+                <a14:useLocalDpi xmlns:a14="http://schemas.microsoft.com/office/drawing/2010/main" val="0"/>
+              </a:ext>
+            </a:extLst>
+          </a:blip>
+          <a:stretch>
+            <a:fillRect/>
+          </a:stretch>
+        </p:blipFill>
+        <p:spPr>
+          <a:xfrm>
+            <a:off x="1271431" y="245040"/>
+            <a:ext cx="9826498" cy="6420453"/>
+          </a:xfrm>
+          <a:prstGeom prst="rect">
+            <a:avLst/>
+          </a:prstGeom>
+        </p:spPr>
+      </p:pic>
     </p:spTree>
     <p:extLst>
       <p:ext uri="{BB962C8B-B14F-4D97-AF65-F5344CB8AC3E}">
@@ -8127,20 +9600,6 @@
                 <a:latin typeface="Public Sans"/>
               </a:rPr>
               <a:t>Technical Details</a:t>
-            </a:r>
-          </a:p>
-          <a:p>
-            <a:r>
-              <a:rPr lang="en-US" dirty="0">
-                <a:solidFill>
-                  <a:schemeClr val="tx1">
-                    <a:lumMod val="50000"/>
-                    <a:lumOff val="50000"/>
-                  </a:schemeClr>
-                </a:solidFill>
-                <a:latin typeface="Public Sans"/>
-              </a:rPr>
-              <a:t>Evaluation</a:t>
             </a:r>
           </a:p>
           <a:p>
